--- a/Presentation Template - Task 1.pptx
+++ b/Presentation Template - Task 1.pptx
@@ -7,6 +7,8 @@
   <p:sldIdLst>
     <p:sldId id="256" r:id="rId2"/>
     <p:sldId id="257" r:id="rId3"/>
+    <p:sldId id="258" r:id="rId4"/>
+    <p:sldId id="259" r:id="rId5"/>
   </p:sldIdLst>
   <p:sldSz cx="12192000" cy="6858000"/>
   <p:notesSz cx="6858000" cy="9144000"/>
@@ -107,7 +109,7 @@
   </p:defaultTextStyle>
   <p:extLst>
     <p:ext uri="{EFAFB233-063F-42B5-8137-9DF3F51BA10A}">
-      <p15:sldGuideLst xmlns:p15="http://schemas.microsoft.com/office/powerpoint/2012/main"/>
+      <p15:sldGuideLst xmlns:p15="http://schemas.microsoft.com/office/powerpoint/2012/main" xmlns=""/>
     </p:ext>
   </p:extLst>
 </p:presentation>
@@ -135,7 +137,7 @@
           <p:cNvPr id="2" name="Title 1">
             <a:extLst>
               <a:ext uri="{FF2B5EF4-FFF2-40B4-BE49-F238E27FC236}">
-                <a16:creationId xmlns:a16="http://schemas.microsoft.com/office/drawing/2014/main" id="{0E1CB125-2F04-85CC-B9E4-859AD27DD3DF}"/>
+                <a16:creationId xmlns:a16="http://schemas.microsoft.com/office/drawing/2014/main" xmlns="" id="{0E1CB125-2F04-85CC-B9E4-859AD27DD3DF}"/>
               </a:ext>
             </a:extLst>
           </p:cNvPr>
@@ -173,7 +175,7 @@
           <p:cNvPr id="3" name="Subtitle 2">
             <a:extLst>
               <a:ext uri="{FF2B5EF4-FFF2-40B4-BE49-F238E27FC236}">
-                <a16:creationId xmlns:a16="http://schemas.microsoft.com/office/drawing/2014/main" id="{968CF164-6A92-3964-A2E5-CD439A60E8D6}"/>
+                <a16:creationId xmlns:a16="http://schemas.microsoft.com/office/drawing/2014/main" xmlns="" id="{968CF164-6A92-3964-A2E5-CD439A60E8D6}"/>
               </a:ext>
             </a:extLst>
           </p:cNvPr>
@@ -244,7 +246,7 @@
           <p:cNvPr id="4" name="Date Placeholder 3">
             <a:extLst>
               <a:ext uri="{FF2B5EF4-FFF2-40B4-BE49-F238E27FC236}">
-                <a16:creationId xmlns:a16="http://schemas.microsoft.com/office/drawing/2014/main" id="{CF666AE8-A5E4-529C-376D-A7F21A81DCA8}"/>
+                <a16:creationId xmlns:a16="http://schemas.microsoft.com/office/drawing/2014/main" xmlns="" id="{CF666AE8-A5E4-529C-376D-A7F21A81DCA8}"/>
               </a:ext>
             </a:extLst>
           </p:cNvPr>
@@ -262,7 +264,7 @@
           <a:p>
             <a:fld id="{6670FE10-F406-47AF-8AE1-E9BA4C7E25F2}" type="datetimeFigureOut">
               <a:rPr lang="en-GB" smtClean="0"/>
-              <a:t>06/12/2022</a:t>
+              <a:t>29/05/2023</a:t>
             </a:fld>
             <a:endParaRPr lang="en-GB" dirty="0"/>
           </a:p>
@@ -273,7 +275,7 @@
           <p:cNvPr id="5" name="Footer Placeholder 4">
             <a:extLst>
               <a:ext uri="{FF2B5EF4-FFF2-40B4-BE49-F238E27FC236}">
-                <a16:creationId xmlns:a16="http://schemas.microsoft.com/office/drawing/2014/main" id="{C631255B-22D2-BFD0-6E2B-2CB909435FC6}"/>
+                <a16:creationId xmlns:a16="http://schemas.microsoft.com/office/drawing/2014/main" xmlns="" id="{C631255B-22D2-BFD0-6E2B-2CB909435FC6}"/>
               </a:ext>
             </a:extLst>
           </p:cNvPr>
@@ -301,7 +303,7 @@
           <p:cNvPr id="6" name="Slide Number Placeholder 5">
             <a:extLst>
               <a:ext uri="{FF2B5EF4-FFF2-40B4-BE49-F238E27FC236}">
-                <a16:creationId xmlns:a16="http://schemas.microsoft.com/office/drawing/2014/main" id="{8B6AC3F9-8084-22E7-D885-8B98F38D04B0}"/>
+                <a16:creationId xmlns:a16="http://schemas.microsoft.com/office/drawing/2014/main" xmlns="" id="{8B6AC3F9-8084-22E7-D885-8B98F38D04B0}"/>
               </a:ext>
             </a:extLst>
           </p:cNvPr>
@@ -330,7 +332,7 @@
           <p:cNvPr id="7" name="Footer Placeholder 4">
             <a:extLst>
               <a:ext uri="{FF2B5EF4-FFF2-40B4-BE49-F238E27FC236}">
-                <a16:creationId xmlns:a16="http://schemas.microsoft.com/office/drawing/2014/main" id="{34687BFD-2914-5915-09E8-574865A5731A}"/>
+                <a16:creationId xmlns:a16="http://schemas.microsoft.com/office/drawing/2014/main" xmlns="" id="{34687BFD-2914-5915-09E8-574865A5731A}"/>
               </a:ext>
             </a:extLst>
           </p:cNvPr>
@@ -491,7 +493,7 @@
           <p:cNvPr id="2" name="Title 1">
             <a:extLst>
               <a:ext uri="{FF2B5EF4-FFF2-40B4-BE49-F238E27FC236}">
-                <a16:creationId xmlns:a16="http://schemas.microsoft.com/office/drawing/2014/main" id="{C98F7736-4A28-81E7-C82E-E08B9124291F}"/>
+                <a16:creationId xmlns:a16="http://schemas.microsoft.com/office/drawing/2014/main" xmlns="" id="{C98F7736-4A28-81E7-C82E-E08B9124291F}"/>
               </a:ext>
             </a:extLst>
           </p:cNvPr>
@@ -520,7 +522,7 @@
           <p:cNvPr id="3" name="Vertical Text Placeholder 2">
             <a:extLst>
               <a:ext uri="{FF2B5EF4-FFF2-40B4-BE49-F238E27FC236}">
-                <a16:creationId xmlns:a16="http://schemas.microsoft.com/office/drawing/2014/main" id="{47BF6A39-8901-64F9-CB89-5DEDADC71459}"/>
+                <a16:creationId xmlns:a16="http://schemas.microsoft.com/office/drawing/2014/main" xmlns="" id="{47BF6A39-8901-64F9-CB89-5DEDADC71459}"/>
               </a:ext>
             </a:extLst>
           </p:cNvPr>
@@ -578,7 +580,7 @@
           <p:cNvPr id="4" name="Date Placeholder 3">
             <a:extLst>
               <a:ext uri="{FF2B5EF4-FFF2-40B4-BE49-F238E27FC236}">
-                <a16:creationId xmlns:a16="http://schemas.microsoft.com/office/drawing/2014/main" id="{79DCAC13-CEF5-615F-7188-2FF616782B18}"/>
+                <a16:creationId xmlns:a16="http://schemas.microsoft.com/office/drawing/2014/main" xmlns="" id="{79DCAC13-CEF5-615F-7188-2FF616782B18}"/>
               </a:ext>
             </a:extLst>
           </p:cNvPr>
@@ -596,7 +598,7 @@
           <a:p>
             <a:fld id="{6670FE10-F406-47AF-8AE1-E9BA4C7E25F2}" type="datetimeFigureOut">
               <a:rPr lang="en-GB" smtClean="0"/>
-              <a:t>06/12/2022</a:t>
+              <a:t>29/05/2023</a:t>
             </a:fld>
             <a:endParaRPr lang="en-GB"/>
           </a:p>
@@ -607,7 +609,7 @@
           <p:cNvPr id="5" name="Footer Placeholder 4">
             <a:extLst>
               <a:ext uri="{FF2B5EF4-FFF2-40B4-BE49-F238E27FC236}">
-                <a16:creationId xmlns:a16="http://schemas.microsoft.com/office/drawing/2014/main" id="{12A0B23E-BB41-954A-D844-68F59222D930}"/>
+                <a16:creationId xmlns:a16="http://schemas.microsoft.com/office/drawing/2014/main" xmlns="" id="{12A0B23E-BB41-954A-D844-68F59222D930}"/>
               </a:ext>
             </a:extLst>
           </p:cNvPr>
@@ -632,7 +634,7 @@
           <p:cNvPr id="6" name="Slide Number Placeholder 5">
             <a:extLst>
               <a:ext uri="{FF2B5EF4-FFF2-40B4-BE49-F238E27FC236}">
-                <a16:creationId xmlns:a16="http://schemas.microsoft.com/office/drawing/2014/main" id="{781B89A1-9BF9-CB79-4981-4A057B60A758}"/>
+                <a16:creationId xmlns:a16="http://schemas.microsoft.com/office/drawing/2014/main" xmlns="" id="{781B89A1-9BF9-CB79-4981-4A057B60A758}"/>
               </a:ext>
             </a:extLst>
           </p:cNvPr>
@@ -691,7 +693,7 @@
           <p:cNvPr id="2" name="Vertical Title 1">
             <a:extLst>
               <a:ext uri="{FF2B5EF4-FFF2-40B4-BE49-F238E27FC236}">
-                <a16:creationId xmlns:a16="http://schemas.microsoft.com/office/drawing/2014/main" id="{B333CEA5-A5BC-42F6-9417-DE058EAF38DB}"/>
+                <a16:creationId xmlns:a16="http://schemas.microsoft.com/office/drawing/2014/main" xmlns="" id="{B333CEA5-A5BC-42F6-9417-DE058EAF38DB}"/>
               </a:ext>
             </a:extLst>
           </p:cNvPr>
@@ -725,7 +727,7 @@
           <p:cNvPr id="3" name="Vertical Text Placeholder 2">
             <a:extLst>
               <a:ext uri="{FF2B5EF4-FFF2-40B4-BE49-F238E27FC236}">
-                <a16:creationId xmlns:a16="http://schemas.microsoft.com/office/drawing/2014/main" id="{39B20003-77E7-76F4-127A-9FAD2038EF14}"/>
+                <a16:creationId xmlns:a16="http://schemas.microsoft.com/office/drawing/2014/main" xmlns="" id="{39B20003-77E7-76F4-127A-9FAD2038EF14}"/>
               </a:ext>
             </a:extLst>
           </p:cNvPr>
@@ -788,7 +790,7 @@
           <p:cNvPr id="4" name="Date Placeholder 3">
             <a:extLst>
               <a:ext uri="{FF2B5EF4-FFF2-40B4-BE49-F238E27FC236}">
-                <a16:creationId xmlns:a16="http://schemas.microsoft.com/office/drawing/2014/main" id="{D6F2C76B-2410-6DF5-E769-3F1375B9F60C}"/>
+                <a16:creationId xmlns:a16="http://schemas.microsoft.com/office/drawing/2014/main" xmlns="" id="{D6F2C76B-2410-6DF5-E769-3F1375B9F60C}"/>
               </a:ext>
             </a:extLst>
           </p:cNvPr>
@@ -806,7 +808,7 @@
           <a:p>
             <a:fld id="{6670FE10-F406-47AF-8AE1-E9BA4C7E25F2}" type="datetimeFigureOut">
               <a:rPr lang="en-GB" smtClean="0"/>
-              <a:t>06/12/2022</a:t>
+              <a:t>29/05/2023</a:t>
             </a:fld>
             <a:endParaRPr lang="en-GB"/>
           </a:p>
@@ -817,7 +819,7 @@
           <p:cNvPr id="5" name="Footer Placeholder 4">
             <a:extLst>
               <a:ext uri="{FF2B5EF4-FFF2-40B4-BE49-F238E27FC236}">
-                <a16:creationId xmlns:a16="http://schemas.microsoft.com/office/drawing/2014/main" id="{989A810E-232E-6F62-BDC3-DA16DA4EE14C}"/>
+                <a16:creationId xmlns:a16="http://schemas.microsoft.com/office/drawing/2014/main" xmlns="" id="{989A810E-232E-6F62-BDC3-DA16DA4EE14C}"/>
               </a:ext>
             </a:extLst>
           </p:cNvPr>
@@ -842,7 +844,7 @@
           <p:cNvPr id="6" name="Slide Number Placeholder 5">
             <a:extLst>
               <a:ext uri="{FF2B5EF4-FFF2-40B4-BE49-F238E27FC236}">
-                <a16:creationId xmlns:a16="http://schemas.microsoft.com/office/drawing/2014/main" id="{D809F2B8-DDB4-2806-89D5-BFB2856E1266}"/>
+                <a16:creationId xmlns:a16="http://schemas.microsoft.com/office/drawing/2014/main" xmlns="" id="{D809F2B8-DDB4-2806-89D5-BFB2856E1266}"/>
               </a:ext>
             </a:extLst>
           </p:cNvPr>
@@ -901,7 +903,7 @@
           <p:cNvPr id="2" name="Title 1">
             <a:extLst>
               <a:ext uri="{FF2B5EF4-FFF2-40B4-BE49-F238E27FC236}">
-                <a16:creationId xmlns:a16="http://schemas.microsoft.com/office/drawing/2014/main" id="{32B96570-1523-0FD3-BC20-287B4073C611}"/>
+                <a16:creationId xmlns:a16="http://schemas.microsoft.com/office/drawing/2014/main" xmlns="" id="{32B96570-1523-0FD3-BC20-287B4073C611}"/>
               </a:ext>
             </a:extLst>
           </p:cNvPr>
@@ -930,7 +932,7 @@
           <p:cNvPr id="3" name="Content Placeholder 2">
             <a:extLst>
               <a:ext uri="{FF2B5EF4-FFF2-40B4-BE49-F238E27FC236}">
-                <a16:creationId xmlns:a16="http://schemas.microsoft.com/office/drawing/2014/main" id="{8D0B1C4E-5C84-9734-9EE1-BF86FB5C5F2A}"/>
+                <a16:creationId xmlns:a16="http://schemas.microsoft.com/office/drawing/2014/main" xmlns="" id="{8D0B1C4E-5C84-9734-9EE1-BF86FB5C5F2A}"/>
               </a:ext>
             </a:extLst>
           </p:cNvPr>
@@ -988,7 +990,7 @@
           <p:cNvPr id="4" name="Date Placeholder 3">
             <a:extLst>
               <a:ext uri="{FF2B5EF4-FFF2-40B4-BE49-F238E27FC236}">
-                <a16:creationId xmlns:a16="http://schemas.microsoft.com/office/drawing/2014/main" id="{22056992-9D89-2C0C-4C2C-BAE80A944102}"/>
+                <a16:creationId xmlns:a16="http://schemas.microsoft.com/office/drawing/2014/main" xmlns="" id="{22056992-9D89-2C0C-4C2C-BAE80A944102}"/>
               </a:ext>
             </a:extLst>
           </p:cNvPr>
@@ -1006,7 +1008,7 @@
           <a:p>
             <a:fld id="{6670FE10-F406-47AF-8AE1-E9BA4C7E25F2}" type="datetimeFigureOut">
               <a:rPr lang="en-GB" smtClean="0"/>
-              <a:t>06/12/2022</a:t>
+              <a:t>29/05/2023</a:t>
             </a:fld>
             <a:endParaRPr lang="en-GB"/>
           </a:p>
@@ -1017,7 +1019,7 @@
           <p:cNvPr id="5" name="Footer Placeholder 4">
             <a:extLst>
               <a:ext uri="{FF2B5EF4-FFF2-40B4-BE49-F238E27FC236}">
-                <a16:creationId xmlns:a16="http://schemas.microsoft.com/office/drawing/2014/main" id="{74DFFCB4-8863-0CCB-49C4-B6B7CD564D67}"/>
+                <a16:creationId xmlns:a16="http://schemas.microsoft.com/office/drawing/2014/main" xmlns="" id="{74DFFCB4-8863-0CCB-49C4-B6B7CD564D67}"/>
               </a:ext>
             </a:extLst>
           </p:cNvPr>
@@ -1042,7 +1044,7 @@
           <p:cNvPr id="6" name="Slide Number Placeholder 5">
             <a:extLst>
               <a:ext uri="{FF2B5EF4-FFF2-40B4-BE49-F238E27FC236}">
-                <a16:creationId xmlns:a16="http://schemas.microsoft.com/office/drawing/2014/main" id="{E36F401C-D4D3-3500-4073-E532BD9F1FD6}"/>
+                <a16:creationId xmlns:a16="http://schemas.microsoft.com/office/drawing/2014/main" xmlns="" id="{E36F401C-D4D3-3500-4073-E532BD9F1FD6}"/>
               </a:ext>
             </a:extLst>
           </p:cNvPr>
@@ -1071,7 +1073,7 @@
           <p:cNvPr id="7" name="Footer Placeholder 4">
             <a:extLst>
               <a:ext uri="{FF2B5EF4-FFF2-40B4-BE49-F238E27FC236}">
-                <a16:creationId xmlns:a16="http://schemas.microsoft.com/office/drawing/2014/main" id="{844B232F-D5B6-DEFE-8440-A43739EF1CB4}"/>
+                <a16:creationId xmlns:a16="http://schemas.microsoft.com/office/drawing/2014/main" xmlns="" id="{844B232F-D5B6-DEFE-8440-A43739EF1CB4}"/>
               </a:ext>
             </a:extLst>
           </p:cNvPr>
@@ -1232,7 +1234,7 @@
           <p:cNvPr id="2" name="Title 1">
             <a:extLst>
               <a:ext uri="{FF2B5EF4-FFF2-40B4-BE49-F238E27FC236}">
-                <a16:creationId xmlns:a16="http://schemas.microsoft.com/office/drawing/2014/main" id="{ACA9419F-3AA8-7780-4AB2-0778AAAFC21C}"/>
+                <a16:creationId xmlns:a16="http://schemas.microsoft.com/office/drawing/2014/main" xmlns="" id="{ACA9419F-3AA8-7780-4AB2-0778AAAFC21C}"/>
               </a:ext>
             </a:extLst>
           </p:cNvPr>
@@ -1270,7 +1272,7 @@
           <p:cNvPr id="3" name="Text Placeholder 2">
             <a:extLst>
               <a:ext uri="{FF2B5EF4-FFF2-40B4-BE49-F238E27FC236}">
-                <a16:creationId xmlns:a16="http://schemas.microsoft.com/office/drawing/2014/main" id="{F7210246-D5F0-A37C-2B2C-D6A6D3CB30DD}"/>
+                <a16:creationId xmlns:a16="http://schemas.microsoft.com/office/drawing/2014/main" xmlns="" id="{F7210246-D5F0-A37C-2B2C-D6A6D3CB30DD}"/>
               </a:ext>
             </a:extLst>
           </p:cNvPr>
@@ -1395,7 +1397,7 @@
           <p:cNvPr id="4" name="Date Placeholder 3">
             <a:extLst>
               <a:ext uri="{FF2B5EF4-FFF2-40B4-BE49-F238E27FC236}">
-                <a16:creationId xmlns:a16="http://schemas.microsoft.com/office/drawing/2014/main" id="{EE42C001-3FCB-0E6B-9E1F-20622B91CBC3}"/>
+                <a16:creationId xmlns:a16="http://schemas.microsoft.com/office/drawing/2014/main" xmlns="" id="{EE42C001-3FCB-0E6B-9E1F-20622B91CBC3}"/>
               </a:ext>
             </a:extLst>
           </p:cNvPr>
@@ -1413,7 +1415,7 @@
           <a:p>
             <a:fld id="{6670FE10-F406-47AF-8AE1-E9BA4C7E25F2}" type="datetimeFigureOut">
               <a:rPr lang="en-GB" smtClean="0"/>
-              <a:t>06/12/2022</a:t>
+              <a:t>29/05/2023</a:t>
             </a:fld>
             <a:endParaRPr lang="en-GB"/>
           </a:p>
@@ -1424,7 +1426,7 @@
           <p:cNvPr id="5" name="Footer Placeholder 4">
             <a:extLst>
               <a:ext uri="{FF2B5EF4-FFF2-40B4-BE49-F238E27FC236}">
-                <a16:creationId xmlns:a16="http://schemas.microsoft.com/office/drawing/2014/main" id="{B80F9F14-D78E-F738-AB9A-82903D4180EC}"/>
+                <a16:creationId xmlns:a16="http://schemas.microsoft.com/office/drawing/2014/main" xmlns="" id="{B80F9F14-D78E-F738-AB9A-82903D4180EC}"/>
               </a:ext>
             </a:extLst>
           </p:cNvPr>
@@ -1449,7 +1451,7 @@
           <p:cNvPr id="6" name="Slide Number Placeholder 5">
             <a:extLst>
               <a:ext uri="{FF2B5EF4-FFF2-40B4-BE49-F238E27FC236}">
-                <a16:creationId xmlns:a16="http://schemas.microsoft.com/office/drawing/2014/main" id="{3DA85AB1-BB89-8FEB-4B9B-6D47D0A3306D}"/>
+                <a16:creationId xmlns:a16="http://schemas.microsoft.com/office/drawing/2014/main" xmlns="" id="{3DA85AB1-BB89-8FEB-4B9B-6D47D0A3306D}"/>
               </a:ext>
             </a:extLst>
           </p:cNvPr>
@@ -1508,7 +1510,7 @@
           <p:cNvPr id="2" name="Title 1">
             <a:extLst>
               <a:ext uri="{FF2B5EF4-FFF2-40B4-BE49-F238E27FC236}">
-                <a16:creationId xmlns:a16="http://schemas.microsoft.com/office/drawing/2014/main" id="{24DD90D2-E4BE-3BAB-80D6-46034DFB3151}"/>
+                <a16:creationId xmlns:a16="http://schemas.microsoft.com/office/drawing/2014/main" xmlns="" id="{24DD90D2-E4BE-3BAB-80D6-46034DFB3151}"/>
               </a:ext>
             </a:extLst>
           </p:cNvPr>
@@ -1537,7 +1539,7 @@
           <p:cNvPr id="3" name="Content Placeholder 2">
             <a:extLst>
               <a:ext uri="{FF2B5EF4-FFF2-40B4-BE49-F238E27FC236}">
-                <a16:creationId xmlns:a16="http://schemas.microsoft.com/office/drawing/2014/main" id="{1BE216A8-1C74-E2BB-5D51-957032134746}"/>
+                <a16:creationId xmlns:a16="http://schemas.microsoft.com/office/drawing/2014/main" xmlns="" id="{1BE216A8-1C74-E2BB-5D51-957032134746}"/>
               </a:ext>
             </a:extLst>
           </p:cNvPr>
@@ -1600,7 +1602,7 @@
           <p:cNvPr id="4" name="Content Placeholder 3">
             <a:extLst>
               <a:ext uri="{FF2B5EF4-FFF2-40B4-BE49-F238E27FC236}">
-                <a16:creationId xmlns:a16="http://schemas.microsoft.com/office/drawing/2014/main" id="{E482CC0D-CA4E-02C7-076E-55D511571AB6}"/>
+                <a16:creationId xmlns:a16="http://schemas.microsoft.com/office/drawing/2014/main" xmlns="" id="{E482CC0D-CA4E-02C7-076E-55D511571AB6}"/>
               </a:ext>
             </a:extLst>
           </p:cNvPr>
@@ -1663,7 +1665,7 @@
           <p:cNvPr id="5" name="Date Placeholder 4">
             <a:extLst>
               <a:ext uri="{FF2B5EF4-FFF2-40B4-BE49-F238E27FC236}">
-                <a16:creationId xmlns:a16="http://schemas.microsoft.com/office/drawing/2014/main" id="{70BDE4EC-111C-93BE-1438-6CDC2E8FCC78}"/>
+                <a16:creationId xmlns:a16="http://schemas.microsoft.com/office/drawing/2014/main" xmlns="" id="{70BDE4EC-111C-93BE-1438-6CDC2E8FCC78}"/>
               </a:ext>
             </a:extLst>
           </p:cNvPr>
@@ -1681,7 +1683,7 @@
           <a:p>
             <a:fld id="{6670FE10-F406-47AF-8AE1-E9BA4C7E25F2}" type="datetimeFigureOut">
               <a:rPr lang="en-GB" smtClean="0"/>
-              <a:t>06/12/2022</a:t>
+              <a:t>29/05/2023</a:t>
             </a:fld>
             <a:endParaRPr lang="en-GB"/>
           </a:p>
@@ -1692,7 +1694,7 @@
           <p:cNvPr id="6" name="Footer Placeholder 5">
             <a:extLst>
               <a:ext uri="{FF2B5EF4-FFF2-40B4-BE49-F238E27FC236}">
-                <a16:creationId xmlns:a16="http://schemas.microsoft.com/office/drawing/2014/main" id="{ABE612E8-024B-A8EE-5D52-CE4D6B315CBE}"/>
+                <a16:creationId xmlns:a16="http://schemas.microsoft.com/office/drawing/2014/main" xmlns="" id="{ABE612E8-024B-A8EE-5D52-CE4D6B315CBE}"/>
               </a:ext>
             </a:extLst>
           </p:cNvPr>
@@ -1717,7 +1719,7 @@
           <p:cNvPr id="7" name="Slide Number Placeholder 6">
             <a:extLst>
               <a:ext uri="{FF2B5EF4-FFF2-40B4-BE49-F238E27FC236}">
-                <a16:creationId xmlns:a16="http://schemas.microsoft.com/office/drawing/2014/main" id="{838136DD-9F31-209F-5224-7E8DA5ED84DF}"/>
+                <a16:creationId xmlns:a16="http://schemas.microsoft.com/office/drawing/2014/main" xmlns="" id="{838136DD-9F31-209F-5224-7E8DA5ED84DF}"/>
               </a:ext>
             </a:extLst>
           </p:cNvPr>
@@ -1776,7 +1778,7 @@
           <p:cNvPr id="2" name="Title 1">
             <a:extLst>
               <a:ext uri="{FF2B5EF4-FFF2-40B4-BE49-F238E27FC236}">
-                <a16:creationId xmlns:a16="http://schemas.microsoft.com/office/drawing/2014/main" id="{F0ACAF4E-854C-2F13-E1E3-1FCD814C36C1}"/>
+                <a16:creationId xmlns:a16="http://schemas.microsoft.com/office/drawing/2014/main" xmlns="" id="{F0ACAF4E-854C-2F13-E1E3-1FCD814C36C1}"/>
               </a:ext>
             </a:extLst>
           </p:cNvPr>
@@ -1810,7 +1812,7 @@
           <p:cNvPr id="3" name="Text Placeholder 2">
             <a:extLst>
               <a:ext uri="{FF2B5EF4-FFF2-40B4-BE49-F238E27FC236}">
-                <a16:creationId xmlns:a16="http://schemas.microsoft.com/office/drawing/2014/main" id="{55F20CA3-8962-ED78-5627-E2AFD1FA8C10}"/>
+                <a16:creationId xmlns:a16="http://schemas.microsoft.com/office/drawing/2014/main" xmlns="" id="{55F20CA3-8962-ED78-5627-E2AFD1FA8C10}"/>
               </a:ext>
             </a:extLst>
           </p:cNvPr>
@@ -1881,7 +1883,7 @@
           <p:cNvPr id="4" name="Content Placeholder 3">
             <a:extLst>
               <a:ext uri="{FF2B5EF4-FFF2-40B4-BE49-F238E27FC236}">
-                <a16:creationId xmlns:a16="http://schemas.microsoft.com/office/drawing/2014/main" id="{A9DFED54-B3EB-EDCE-24C1-E05D0B1AAE2D}"/>
+                <a16:creationId xmlns:a16="http://schemas.microsoft.com/office/drawing/2014/main" xmlns="" id="{A9DFED54-B3EB-EDCE-24C1-E05D0B1AAE2D}"/>
               </a:ext>
             </a:extLst>
           </p:cNvPr>
@@ -1944,7 +1946,7 @@
           <p:cNvPr id="5" name="Text Placeholder 4">
             <a:extLst>
               <a:ext uri="{FF2B5EF4-FFF2-40B4-BE49-F238E27FC236}">
-                <a16:creationId xmlns:a16="http://schemas.microsoft.com/office/drawing/2014/main" id="{6DB824DE-EEE0-3583-344D-DEB814DF9A03}"/>
+                <a16:creationId xmlns:a16="http://schemas.microsoft.com/office/drawing/2014/main" xmlns="" id="{6DB824DE-EEE0-3583-344D-DEB814DF9A03}"/>
               </a:ext>
             </a:extLst>
           </p:cNvPr>
@@ -2015,7 +2017,7 @@
           <p:cNvPr id="6" name="Content Placeholder 5">
             <a:extLst>
               <a:ext uri="{FF2B5EF4-FFF2-40B4-BE49-F238E27FC236}">
-                <a16:creationId xmlns:a16="http://schemas.microsoft.com/office/drawing/2014/main" id="{26C3C5AD-D28A-542C-CF9F-7650793A3835}"/>
+                <a16:creationId xmlns:a16="http://schemas.microsoft.com/office/drawing/2014/main" xmlns="" id="{26C3C5AD-D28A-542C-CF9F-7650793A3835}"/>
               </a:ext>
             </a:extLst>
           </p:cNvPr>
@@ -2078,7 +2080,7 @@
           <p:cNvPr id="7" name="Date Placeholder 6">
             <a:extLst>
               <a:ext uri="{FF2B5EF4-FFF2-40B4-BE49-F238E27FC236}">
-                <a16:creationId xmlns:a16="http://schemas.microsoft.com/office/drawing/2014/main" id="{7BCFE2E4-8192-9EA2-4489-80F4A15EFB6B}"/>
+                <a16:creationId xmlns:a16="http://schemas.microsoft.com/office/drawing/2014/main" xmlns="" id="{7BCFE2E4-8192-9EA2-4489-80F4A15EFB6B}"/>
               </a:ext>
             </a:extLst>
           </p:cNvPr>
@@ -2096,7 +2098,7 @@
           <a:p>
             <a:fld id="{6670FE10-F406-47AF-8AE1-E9BA4C7E25F2}" type="datetimeFigureOut">
               <a:rPr lang="en-GB" smtClean="0"/>
-              <a:t>06/12/2022</a:t>
+              <a:t>29/05/2023</a:t>
             </a:fld>
             <a:endParaRPr lang="en-GB"/>
           </a:p>
@@ -2107,7 +2109,7 @@
           <p:cNvPr id="8" name="Footer Placeholder 7">
             <a:extLst>
               <a:ext uri="{FF2B5EF4-FFF2-40B4-BE49-F238E27FC236}">
-                <a16:creationId xmlns:a16="http://schemas.microsoft.com/office/drawing/2014/main" id="{0124C7DB-3AF1-24E1-DCBE-207B96CA5B37}"/>
+                <a16:creationId xmlns:a16="http://schemas.microsoft.com/office/drawing/2014/main" xmlns="" id="{0124C7DB-3AF1-24E1-DCBE-207B96CA5B37}"/>
               </a:ext>
             </a:extLst>
           </p:cNvPr>
@@ -2132,7 +2134,7 @@
           <p:cNvPr id="9" name="Slide Number Placeholder 8">
             <a:extLst>
               <a:ext uri="{FF2B5EF4-FFF2-40B4-BE49-F238E27FC236}">
-                <a16:creationId xmlns:a16="http://schemas.microsoft.com/office/drawing/2014/main" id="{F0FA5518-D3AE-F720-2BE0-3F9DB2DFA9EF}"/>
+                <a16:creationId xmlns:a16="http://schemas.microsoft.com/office/drawing/2014/main" xmlns="" id="{F0FA5518-D3AE-F720-2BE0-3F9DB2DFA9EF}"/>
               </a:ext>
             </a:extLst>
           </p:cNvPr>
@@ -2191,7 +2193,7 @@
           <p:cNvPr id="2" name="Title 1">
             <a:extLst>
               <a:ext uri="{FF2B5EF4-FFF2-40B4-BE49-F238E27FC236}">
-                <a16:creationId xmlns:a16="http://schemas.microsoft.com/office/drawing/2014/main" id="{CDBB8F10-4EB4-0C0F-03BF-F531D235ADC4}"/>
+                <a16:creationId xmlns:a16="http://schemas.microsoft.com/office/drawing/2014/main" xmlns="" id="{CDBB8F10-4EB4-0C0F-03BF-F531D235ADC4}"/>
               </a:ext>
             </a:extLst>
           </p:cNvPr>
@@ -2220,7 +2222,7 @@
           <p:cNvPr id="3" name="Date Placeholder 2">
             <a:extLst>
               <a:ext uri="{FF2B5EF4-FFF2-40B4-BE49-F238E27FC236}">
-                <a16:creationId xmlns:a16="http://schemas.microsoft.com/office/drawing/2014/main" id="{0F1CEF92-A5CC-B946-CAFC-8C36EB5A1CA9}"/>
+                <a16:creationId xmlns:a16="http://schemas.microsoft.com/office/drawing/2014/main" xmlns="" id="{0F1CEF92-A5CC-B946-CAFC-8C36EB5A1CA9}"/>
               </a:ext>
             </a:extLst>
           </p:cNvPr>
@@ -2238,7 +2240,7 @@
           <a:p>
             <a:fld id="{6670FE10-F406-47AF-8AE1-E9BA4C7E25F2}" type="datetimeFigureOut">
               <a:rPr lang="en-GB" smtClean="0"/>
-              <a:t>06/12/2022</a:t>
+              <a:t>29/05/2023</a:t>
             </a:fld>
             <a:endParaRPr lang="en-GB"/>
           </a:p>
@@ -2249,7 +2251,7 @@
           <p:cNvPr id="4" name="Footer Placeholder 3">
             <a:extLst>
               <a:ext uri="{FF2B5EF4-FFF2-40B4-BE49-F238E27FC236}">
-                <a16:creationId xmlns:a16="http://schemas.microsoft.com/office/drawing/2014/main" id="{79B0AED2-981A-D1A1-3051-5903B7A77705}"/>
+                <a16:creationId xmlns:a16="http://schemas.microsoft.com/office/drawing/2014/main" xmlns="" id="{79B0AED2-981A-D1A1-3051-5903B7A77705}"/>
               </a:ext>
             </a:extLst>
           </p:cNvPr>
@@ -2274,7 +2276,7 @@
           <p:cNvPr id="5" name="Slide Number Placeholder 4">
             <a:extLst>
               <a:ext uri="{FF2B5EF4-FFF2-40B4-BE49-F238E27FC236}">
-                <a16:creationId xmlns:a16="http://schemas.microsoft.com/office/drawing/2014/main" id="{30C34D5F-9056-9555-8436-92D63EF82CE5}"/>
+                <a16:creationId xmlns:a16="http://schemas.microsoft.com/office/drawing/2014/main" xmlns="" id="{30C34D5F-9056-9555-8436-92D63EF82CE5}"/>
               </a:ext>
             </a:extLst>
           </p:cNvPr>
@@ -2333,7 +2335,7 @@
           <p:cNvPr id="2" name="Date Placeholder 1">
             <a:extLst>
               <a:ext uri="{FF2B5EF4-FFF2-40B4-BE49-F238E27FC236}">
-                <a16:creationId xmlns:a16="http://schemas.microsoft.com/office/drawing/2014/main" id="{B730EC6A-6AD6-AA45-F17C-03F69F0BC0B1}"/>
+                <a16:creationId xmlns:a16="http://schemas.microsoft.com/office/drawing/2014/main" xmlns="" id="{B730EC6A-6AD6-AA45-F17C-03F69F0BC0B1}"/>
               </a:ext>
             </a:extLst>
           </p:cNvPr>
@@ -2351,7 +2353,7 @@
           <a:p>
             <a:fld id="{6670FE10-F406-47AF-8AE1-E9BA4C7E25F2}" type="datetimeFigureOut">
               <a:rPr lang="en-GB" smtClean="0"/>
-              <a:t>06/12/2022</a:t>
+              <a:t>29/05/2023</a:t>
             </a:fld>
             <a:endParaRPr lang="en-GB"/>
           </a:p>
@@ -2362,7 +2364,7 @@
           <p:cNvPr id="3" name="Footer Placeholder 2">
             <a:extLst>
               <a:ext uri="{FF2B5EF4-FFF2-40B4-BE49-F238E27FC236}">
-                <a16:creationId xmlns:a16="http://schemas.microsoft.com/office/drawing/2014/main" id="{4CE86569-C17C-085A-6CBC-D1C4A1862CB5}"/>
+                <a16:creationId xmlns:a16="http://schemas.microsoft.com/office/drawing/2014/main" xmlns="" id="{4CE86569-C17C-085A-6CBC-D1C4A1862CB5}"/>
               </a:ext>
             </a:extLst>
           </p:cNvPr>
@@ -2387,7 +2389,7 @@
           <p:cNvPr id="4" name="Slide Number Placeholder 3">
             <a:extLst>
               <a:ext uri="{FF2B5EF4-FFF2-40B4-BE49-F238E27FC236}">
-                <a16:creationId xmlns:a16="http://schemas.microsoft.com/office/drawing/2014/main" id="{78D85FA6-E886-1316-E77C-F547D63906B5}"/>
+                <a16:creationId xmlns:a16="http://schemas.microsoft.com/office/drawing/2014/main" xmlns="" id="{78D85FA6-E886-1316-E77C-F547D63906B5}"/>
               </a:ext>
             </a:extLst>
           </p:cNvPr>
@@ -2446,7 +2448,7 @@
           <p:cNvPr id="2" name="Title 1">
             <a:extLst>
               <a:ext uri="{FF2B5EF4-FFF2-40B4-BE49-F238E27FC236}">
-                <a16:creationId xmlns:a16="http://schemas.microsoft.com/office/drawing/2014/main" id="{0BD7938B-5BC3-3F7E-C07B-69D21045835A}"/>
+                <a16:creationId xmlns:a16="http://schemas.microsoft.com/office/drawing/2014/main" xmlns="" id="{0BD7938B-5BC3-3F7E-C07B-69D21045835A}"/>
               </a:ext>
             </a:extLst>
           </p:cNvPr>
@@ -2484,7 +2486,7 @@
           <p:cNvPr id="3" name="Content Placeholder 2">
             <a:extLst>
               <a:ext uri="{FF2B5EF4-FFF2-40B4-BE49-F238E27FC236}">
-                <a16:creationId xmlns:a16="http://schemas.microsoft.com/office/drawing/2014/main" id="{8BA5A36E-54F8-095F-63F4-D35F0CEA499E}"/>
+                <a16:creationId xmlns:a16="http://schemas.microsoft.com/office/drawing/2014/main" xmlns="" id="{8BA5A36E-54F8-095F-63F4-D35F0CEA499E}"/>
               </a:ext>
             </a:extLst>
           </p:cNvPr>
@@ -2575,7 +2577,7 @@
           <p:cNvPr id="4" name="Text Placeholder 3">
             <a:extLst>
               <a:ext uri="{FF2B5EF4-FFF2-40B4-BE49-F238E27FC236}">
-                <a16:creationId xmlns:a16="http://schemas.microsoft.com/office/drawing/2014/main" id="{6E133D28-5C98-8AD3-E53B-B46BC56EF23C}"/>
+                <a16:creationId xmlns:a16="http://schemas.microsoft.com/office/drawing/2014/main" xmlns="" id="{6E133D28-5C98-8AD3-E53B-B46BC56EF23C}"/>
               </a:ext>
             </a:extLst>
           </p:cNvPr>
@@ -2646,7 +2648,7 @@
           <p:cNvPr id="5" name="Date Placeholder 4">
             <a:extLst>
               <a:ext uri="{FF2B5EF4-FFF2-40B4-BE49-F238E27FC236}">
-                <a16:creationId xmlns:a16="http://schemas.microsoft.com/office/drawing/2014/main" id="{5B6D2A4C-20E2-A896-97ED-F88A7A2385FF}"/>
+                <a16:creationId xmlns:a16="http://schemas.microsoft.com/office/drawing/2014/main" xmlns="" id="{5B6D2A4C-20E2-A896-97ED-F88A7A2385FF}"/>
               </a:ext>
             </a:extLst>
           </p:cNvPr>
@@ -2664,7 +2666,7 @@
           <a:p>
             <a:fld id="{6670FE10-F406-47AF-8AE1-E9BA4C7E25F2}" type="datetimeFigureOut">
               <a:rPr lang="en-GB" smtClean="0"/>
-              <a:t>06/12/2022</a:t>
+              <a:t>29/05/2023</a:t>
             </a:fld>
             <a:endParaRPr lang="en-GB"/>
           </a:p>
@@ -2675,7 +2677,7 @@
           <p:cNvPr id="6" name="Footer Placeholder 5">
             <a:extLst>
               <a:ext uri="{FF2B5EF4-FFF2-40B4-BE49-F238E27FC236}">
-                <a16:creationId xmlns:a16="http://schemas.microsoft.com/office/drawing/2014/main" id="{ED56FC89-B6CF-07FC-4053-C9A2B6E43753}"/>
+                <a16:creationId xmlns:a16="http://schemas.microsoft.com/office/drawing/2014/main" xmlns="" id="{ED56FC89-B6CF-07FC-4053-C9A2B6E43753}"/>
               </a:ext>
             </a:extLst>
           </p:cNvPr>
@@ -2700,7 +2702,7 @@
           <p:cNvPr id="7" name="Slide Number Placeholder 6">
             <a:extLst>
               <a:ext uri="{FF2B5EF4-FFF2-40B4-BE49-F238E27FC236}">
-                <a16:creationId xmlns:a16="http://schemas.microsoft.com/office/drawing/2014/main" id="{C6B4ECD2-23D6-A678-D6E6-CC8E80A4100C}"/>
+                <a16:creationId xmlns:a16="http://schemas.microsoft.com/office/drawing/2014/main" xmlns="" id="{C6B4ECD2-23D6-A678-D6E6-CC8E80A4100C}"/>
               </a:ext>
             </a:extLst>
           </p:cNvPr>
@@ -2759,7 +2761,7 @@
           <p:cNvPr id="2" name="Title 1">
             <a:extLst>
               <a:ext uri="{FF2B5EF4-FFF2-40B4-BE49-F238E27FC236}">
-                <a16:creationId xmlns:a16="http://schemas.microsoft.com/office/drawing/2014/main" id="{486D62C0-B9AF-01E3-3121-5E4CEC456534}"/>
+                <a16:creationId xmlns:a16="http://schemas.microsoft.com/office/drawing/2014/main" xmlns="" id="{486D62C0-B9AF-01E3-3121-5E4CEC456534}"/>
               </a:ext>
             </a:extLst>
           </p:cNvPr>
@@ -2797,7 +2799,7 @@
           <p:cNvPr id="3" name="Picture Placeholder 2">
             <a:extLst>
               <a:ext uri="{FF2B5EF4-FFF2-40B4-BE49-F238E27FC236}">
-                <a16:creationId xmlns:a16="http://schemas.microsoft.com/office/drawing/2014/main" id="{C01E6429-9B79-A736-0B9D-B13183DAC690}"/>
+                <a16:creationId xmlns:a16="http://schemas.microsoft.com/office/drawing/2014/main" xmlns="" id="{C01E6429-9B79-A736-0B9D-B13183DAC690}"/>
               </a:ext>
             </a:extLst>
           </p:cNvPr>
@@ -2864,7 +2866,7 @@
           <p:cNvPr id="4" name="Text Placeholder 3">
             <a:extLst>
               <a:ext uri="{FF2B5EF4-FFF2-40B4-BE49-F238E27FC236}">
-                <a16:creationId xmlns:a16="http://schemas.microsoft.com/office/drawing/2014/main" id="{A38859E1-EE15-4687-0846-74724C476ED6}"/>
+                <a16:creationId xmlns:a16="http://schemas.microsoft.com/office/drawing/2014/main" xmlns="" id="{A38859E1-EE15-4687-0846-74724C476ED6}"/>
               </a:ext>
             </a:extLst>
           </p:cNvPr>
@@ -2935,7 +2937,7 @@
           <p:cNvPr id="5" name="Date Placeholder 4">
             <a:extLst>
               <a:ext uri="{FF2B5EF4-FFF2-40B4-BE49-F238E27FC236}">
-                <a16:creationId xmlns:a16="http://schemas.microsoft.com/office/drawing/2014/main" id="{CFB76135-5B72-1EEF-F390-24A30E0C2784}"/>
+                <a16:creationId xmlns:a16="http://schemas.microsoft.com/office/drawing/2014/main" xmlns="" id="{CFB76135-5B72-1EEF-F390-24A30E0C2784}"/>
               </a:ext>
             </a:extLst>
           </p:cNvPr>
@@ -2953,7 +2955,7 @@
           <a:p>
             <a:fld id="{6670FE10-F406-47AF-8AE1-E9BA4C7E25F2}" type="datetimeFigureOut">
               <a:rPr lang="en-GB" smtClean="0"/>
-              <a:t>06/12/2022</a:t>
+              <a:t>29/05/2023</a:t>
             </a:fld>
             <a:endParaRPr lang="en-GB"/>
           </a:p>
@@ -2964,7 +2966,7 @@
           <p:cNvPr id="6" name="Footer Placeholder 5">
             <a:extLst>
               <a:ext uri="{FF2B5EF4-FFF2-40B4-BE49-F238E27FC236}">
-                <a16:creationId xmlns:a16="http://schemas.microsoft.com/office/drawing/2014/main" id="{35886E81-CAA3-CA1B-34FD-D779E0A78C49}"/>
+                <a16:creationId xmlns:a16="http://schemas.microsoft.com/office/drawing/2014/main" xmlns="" id="{35886E81-CAA3-CA1B-34FD-D779E0A78C49}"/>
               </a:ext>
             </a:extLst>
           </p:cNvPr>
@@ -2989,7 +2991,7 @@
           <p:cNvPr id="7" name="Slide Number Placeholder 6">
             <a:extLst>
               <a:ext uri="{FF2B5EF4-FFF2-40B4-BE49-F238E27FC236}">
-                <a16:creationId xmlns:a16="http://schemas.microsoft.com/office/drawing/2014/main" id="{55CACC89-7C0E-4493-8D29-3D8652C25C7A}"/>
+                <a16:creationId xmlns:a16="http://schemas.microsoft.com/office/drawing/2014/main" xmlns="" id="{55CACC89-7C0E-4493-8D29-3D8652C25C7A}"/>
               </a:ext>
             </a:extLst>
           </p:cNvPr>
@@ -3053,7 +3055,7 @@
           <p:cNvPr id="2" name="Title Placeholder 1">
             <a:extLst>
               <a:ext uri="{FF2B5EF4-FFF2-40B4-BE49-F238E27FC236}">
-                <a16:creationId xmlns:a16="http://schemas.microsoft.com/office/drawing/2014/main" id="{2A2A5E74-E7EA-A582-FEFF-7E8B6526EAE3}"/>
+                <a16:creationId xmlns:a16="http://schemas.microsoft.com/office/drawing/2014/main" xmlns="" id="{2A2A5E74-E7EA-A582-FEFF-7E8B6526EAE3}"/>
               </a:ext>
             </a:extLst>
           </p:cNvPr>
@@ -3092,7 +3094,7 @@
           <p:cNvPr id="3" name="Text Placeholder 2">
             <a:extLst>
               <a:ext uri="{FF2B5EF4-FFF2-40B4-BE49-F238E27FC236}">
-                <a16:creationId xmlns:a16="http://schemas.microsoft.com/office/drawing/2014/main" id="{81F34B22-10EC-C970-0CA4-B2EEE5D4462F}"/>
+                <a16:creationId xmlns:a16="http://schemas.microsoft.com/office/drawing/2014/main" xmlns="" id="{81F34B22-10EC-C970-0CA4-B2EEE5D4462F}"/>
               </a:ext>
             </a:extLst>
           </p:cNvPr>
@@ -3160,7 +3162,7 @@
           <p:cNvPr id="4" name="Date Placeholder 3">
             <a:extLst>
               <a:ext uri="{FF2B5EF4-FFF2-40B4-BE49-F238E27FC236}">
-                <a16:creationId xmlns:a16="http://schemas.microsoft.com/office/drawing/2014/main" id="{EB568B27-F4D1-8804-8F24-49F4B5CF6401}"/>
+                <a16:creationId xmlns:a16="http://schemas.microsoft.com/office/drawing/2014/main" xmlns="" id="{EB568B27-F4D1-8804-8F24-49F4B5CF6401}"/>
               </a:ext>
             </a:extLst>
           </p:cNvPr>
@@ -3196,7 +3198,7 @@
           <a:p>
             <a:fld id="{6670FE10-F406-47AF-8AE1-E9BA4C7E25F2}" type="datetimeFigureOut">
               <a:rPr lang="en-GB" smtClean="0"/>
-              <a:t>06/12/2022</a:t>
+              <a:t>29/05/2023</a:t>
             </a:fld>
             <a:endParaRPr lang="en-GB"/>
           </a:p>
@@ -3207,7 +3209,7 @@
           <p:cNvPr id="5" name="Footer Placeholder 4">
             <a:extLst>
               <a:ext uri="{FF2B5EF4-FFF2-40B4-BE49-F238E27FC236}">
-                <a16:creationId xmlns:a16="http://schemas.microsoft.com/office/drawing/2014/main" id="{0FE3C49D-7C0D-DBB2-ECF5-D83556B8653A}"/>
+                <a16:creationId xmlns:a16="http://schemas.microsoft.com/office/drawing/2014/main" xmlns="" id="{0FE3C49D-7C0D-DBB2-ECF5-D83556B8653A}"/>
               </a:ext>
             </a:extLst>
           </p:cNvPr>
@@ -3250,7 +3252,7 @@
           <p:cNvPr id="6" name="Slide Number Placeholder 5">
             <a:extLst>
               <a:ext uri="{FF2B5EF4-FFF2-40B4-BE49-F238E27FC236}">
-                <a16:creationId xmlns:a16="http://schemas.microsoft.com/office/drawing/2014/main" id="{C8EB63AB-DEAA-1B23-7F83-4CF51358DAA8}"/>
+                <a16:creationId xmlns:a16="http://schemas.microsoft.com/office/drawing/2014/main" xmlns="" id="{C8EB63AB-DEAA-1B23-7F83-4CF51358DAA8}"/>
               </a:ext>
             </a:extLst>
           </p:cNvPr>
@@ -3618,7 +3620,7 @@
           <p:cNvPr id="2" name="Title 1">
             <a:extLst>
               <a:ext uri="{FF2B5EF4-FFF2-40B4-BE49-F238E27FC236}">
-                <a16:creationId xmlns:a16="http://schemas.microsoft.com/office/drawing/2014/main" id="{EE0BCD4D-82A1-5AD0-053C-2CF73DA5B647}"/>
+                <a16:creationId xmlns:a16="http://schemas.microsoft.com/office/drawing/2014/main" xmlns="" id="{EE0BCD4D-82A1-5AD0-053C-2CF73DA5B647}"/>
               </a:ext>
             </a:extLst>
           </p:cNvPr>
@@ -3635,9 +3637,10 @@
           <a:lstStyle/>
           <a:p>
             <a:r>
-              <a:rPr lang="en-GB" dirty="0"/>
-              <a:t>TITLE</a:t>
-            </a:r>
+              <a:rPr lang="en-GB" dirty="0" smtClean="0"/>
+              <a:t>Insights from clients reviews</a:t>
+            </a:r>
+            <a:endParaRPr lang="en-GB" dirty="0"/>
           </a:p>
         </p:txBody>
       </p:sp>
@@ -3646,7 +3649,7 @@
           <p:cNvPr id="3" name="Subtitle 2">
             <a:extLst>
               <a:ext uri="{FF2B5EF4-FFF2-40B4-BE49-F238E27FC236}">
-                <a16:creationId xmlns:a16="http://schemas.microsoft.com/office/drawing/2014/main" id="{7730DC87-B7BC-1B7B-AB86-8B0F1FACBC23}"/>
+                <a16:creationId xmlns:a16="http://schemas.microsoft.com/office/drawing/2014/main" xmlns="" id="{7730DC87-B7BC-1B7B-AB86-8B0F1FACBC23}"/>
               </a:ext>
             </a:extLst>
           </p:cNvPr>
@@ -3662,6 +3665,10 @@
           <a:bodyPr/>
           <a:lstStyle/>
           <a:p>
+            <a:r>
+              <a:rPr lang="en-GB" dirty="0" smtClean="0"/>
+              <a:t>Data Analysis for clients reviews</a:t>
+            </a:r>
             <a:endParaRPr lang="en-GB" dirty="0"/>
           </a:p>
         </p:txBody>
@@ -3698,13 +3705,7 @@
       </p:grpSpPr>
       <p:sp>
         <p:nvSpPr>
-          <p:cNvPr id="2" name="Title 1">
-            <a:extLst>
-              <a:ext uri="{FF2B5EF4-FFF2-40B4-BE49-F238E27FC236}">
-                <a16:creationId xmlns:a16="http://schemas.microsoft.com/office/drawing/2014/main" id="{7BDADD12-D653-7463-3EAD-70846DE1F2CC}"/>
-              </a:ext>
-            </a:extLst>
-          </p:cNvPr>
+          <p:cNvPr id="4" name="Title 3"/>
           <p:cNvSpPr>
             <a:spLocks noGrp="1"/>
           </p:cNvSpPr>
@@ -3717,39 +3718,564 @@
           <a:bodyPr/>
           <a:lstStyle/>
           <a:p>
-            <a:endParaRPr lang="en-GB"/>
-          </a:p>
-        </p:txBody>
-      </p:sp>
-      <p:sp>
-        <p:nvSpPr>
-          <p:cNvPr id="3" name="Content Placeholder 2">
-            <a:extLst>
-              <a:ext uri="{FF2B5EF4-FFF2-40B4-BE49-F238E27FC236}">
-                <a16:creationId xmlns:a16="http://schemas.microsoft.com/office/drawing/2014/main" id="{4B7DE7AA-9B0B-5A8C-C9D3-A89360AA97ED}"/>
-              </a:ext>
-            </a:extLst>
-          </p:cNvPr>
-          <p:cNvSpPr>
-            <a:spLocks noGrp="1"/>
-          </p:cNvSpPr>
-          <p:nvPr>
-            <p:ph idx="1"/>
+            <a:r>
+              <a:rPr lang="en-US" u="sng" dirty="0" smtClean="0"/>
+              <a:t>Frequent terms:</a:t>
+            </a:r>
+            <a:endParaRPr lang="en-US" u="sng" dirty="0"/>
+          </a:p>
+        </p:txBody>
+      </p:sp>
+      <p:sp>
+        <p:nvSpPr>
+          <p:cNvPr id="5" name="Content Placeholder 4"/>
+          <p:cNvSpPr>
+            <a:spLocks noGrp="1"/>
+          </p:cNvSpPr>
+          <p:nvPr>
+            <p:ph sz="half" idx="1"/>
           </p:nvPr>
         </p:nvSpPr>
         <p:spPr/>
         <p:txBody>
-          <a:bodyPr/>
-          <a:lstStyle/>
-          <a:p>
-            <a:endParaRPr lang="en-GB"/>
-          </a:p>
-        </p:txBody>
-      </p:sp>
+          <a:bodyPr>
+            <a:normAutofit/>
+          </a:bodyPr>
+          <a:lstStyle/>
+          <a:p>
+            <a:r>
+              <a:rPr lang="en-US" sz="2400" dirty="0" smtClean="0"/>
+              <a:t>As per the shown picture ,the words ‘service’ , ’seat’, ’flight’ , ’food’ , ‘London’ , ‘time’ , ‘food’ are the most frequent detected words in the customers reviews. However, by measuring the average polarity of the collective reviews ,it tends to be negative ,which means that the mentioned words are more likely to be mentioned in negative opinions and gives an idea of the areas of improvement.</a:t>
+            </a:r>
+            <a:endParaRPr lang="en-US" sz="2400" dirty="0"/>
+          </a:p>
+        </p:txBody>
+      </p:sp>
+      <p:pic>
+        <p:nvPicPr>
+          <p:cNvPr id="1026" name="Picture 2"/>
+          <p:cNvPicPr>
+            <a:picLocks noGrp="1" noChangeAspect="1" noChangeArrowheads="1"/>
+          </p:cNvPicPr>
+          <p:nvPr>
+            <p:ph sz="half" idx="2"/>
+          </p:nvPr>
+        </p:nvPicPr>
+        <p:blipFill>
+          <a:blip r:embed="rId2">
+            <a:extLst>
+              <a:ext uri="{28A0092B-C50C-407E-A947-70E740481C1C}">
+                <a14:useLocalDpi xmlns:a14="http://schemas.microsoft.com/office/drawing/2010/main" val="0"/>
+              </a:ext>
+            </a:extLst>
+          </a:blip>
+          <a:srcRect/>
+          <a:stretch>
+            <a:fillRect/>
+          </a:stretch>
+        </p:blipFill>
+        <p:spPr bwMode="auto">
+          <a:xfrm>
+            <a:off x="6505074" y="1941095"/>
+            <a:ext cx="5229725" cy="3946358"/>
+          </a:xfrm>
+          <a:prstGeom prst="rect">
+            <a:avLst/>
+          </a:prstGeom>
+          <a:noFill/>
+          <a:ln>
+            <a:noFill/>
+          </a:ln>
+          <a:effectLst/>
+          <a:extLst>
+            <a:ext uri="{909E8E84-426E-40DD-AFC4-6F175D3DCCD1}">
+              <a14:hiddenFill xmlns:a14="http://schemas.microsoft.com/office/drawing/2010/main">
+                <a:solidFill>
+                  <a:schemeClr val="accent1"/>
+                </a:solidFill>
+              </a14:hiddenFill>
+            </a:ext>
+            <a:ext uri="{91240B29-F687-4F45-9708-019B960494DF}">
+              <a14:hiddenLine xmlns:a14="http://schemas.microsoft.com/office/drawing/2010/main" w="9525">
+                <a:solidFill>
+                  <a:schemeClr val="tx1"/>
+                </a:solidFill>
+                <a:miter lim="800000"/>
+                <a:headEnd/>
+                <a:tailEnd/>
+              </a14:hiddenLine>
+            </a:ext>
+            <a:ext uri="{AF507438-7753-43E0-B8FC-AC1667EBCBE1}">
+              <a14:hiddenEffects xmlns:a14="http://schemas.microsoft.com/office/drawing/2010/main">
+                <a:effectLst>
+                  <a:outerShdw dist="35921" dir="2700000" algn="ctr" rotWithShape="0">
+                    <a:schemeClr val="bg2"/>
+                  </a:outerShdw>
+                </a:effectLst>
+              </a14:hiddenEffects>
+            </a:ext>
+          </a:extLst>
+        </p:spPr>
+      </p:pic>
     </p:spTree>
     <p:extLst>
       <p:ext uri="{BB962C8B-B14F-4D97-AF65-F5344CB8AC3E}">
         <p14:creationId xmlns:p14="http://schemas.microsoft.com/office/powerpoint/2010/main" val="1911081705"/>
+      </p:ext>
+    </p:extLst>
+  </p:cSld>
+  <p:clrMapOvr>
+    <a:masterClrMapping/>
+  </p:clrMapOvr>
+</p:sld>
+</file>
+
+<file path=ppt/slides/slide3.xml><?xml version="1.0" encoding="utf-8"?>
+<p:sld xmlns:a="http://schemas.openxmlformats.org/drawingml/2006/main" xmlns:r="http://schemas.openxmlformats.org/officeDocument/2006/relationships" xmlns:p="http://schemas.openxmlformats.org/presentationml/2006/main">
+  <p:cSld>
+    <p:spTree>
+      <p:nvGrpSpPr>
+        <p:cNvPr id="1" name=""/>
+        <p:cNvGrpSpPr/>
+        <p:nvPr/>
+      </p:nvGrpSpPr>
+      <p:grpSpPr>
+        <a:xfrm>
+          <a:off x="0" y="0"/>
+          <a:ext cx="0" cy="0"/>
+          <a:chOff x="0" y="0"/>
+          <a:chExt cx="0" cy="0"/>
+        </a:xfrm>
+      </p:grpSpPr>
+      <p:sp>
+        <p:nvSpPr>
+          <p:cNvPr id="4" name="Title 3"/>
+          <p:cNvSpPr>
+            <a:spLocks noGrp="1"/>
+          </p:cNvSpPr>
+          <p:nvPr>
+            <p:ph type="title"/>
+          </p:nvPr>
+        </p:nvSpPr>
+        <p:spPr/>
+        <p:txBody>
+          <a:bodyPr/>
+          <a:lstStyle/>
+          <a:p>
+            <a:r>
+              <a:rPr lang="en-US" u="sng" dirty="0" smtClean="0"/>
+              <a:t>Frequent terms:</a:t>
+            </a:r>
+            <a:endParaRPr lang="en-US" u="sng" dirty="0"/>
+          </a:p>
+        </p:txBody>
+      </p:sp>
+      <p:sp>
+        <p:nvSpPr>
+          <p:cNvPr id="5" name="Content Placeholder 4"/>
+          <p:cNvSpPr>
+            <a:spLocks noGrp="1"/>
+          </p:cNvSpPr>
+          <p:nvPr>
+            <p:ph sz="half" idx="1"/>
+          </p:nvPr>
+        </p:nvSpPr>
+        <p:spPr/>
+        <p:txBody>
+          <a:bodyPr>
+            <a:normAutofit fontScale="92500"/>
+          </a:bodyPr>
+          <a:lstStyle/>
+          <a:p>
+            <a:r>
+              <a:rPr lang="en-US" sz="2400" dirty="0" smtClean="0"/>
+              <a:t>From the right table ,the average of polarity and subjectivity of the overall opinions in the customer reviews.</a:t>
+            </a:r>
+          </a:p>
+          <a:p>
+            <a:r>
+              <a:rPr lang="en-US" sz="2400" dirty="0" smtClean="0"/>
+              <a:t>The subjectivity which indicates how much in the sentence is the personal opinion compared to facts, it seems that the overall subjectivity for the overall opinions is nearly 50% which indicates equal opportunity of inclusion of facts and personal opinion.</a:t>
+            </a:r>
+          </a:p>
+          <a:p>
+            <a:r>
+              <a:rPr lang="en-US" sz="2400" dirty="0" smtClean="0"/>
+              <a:t>On the other hand the polarity tends to be more to 0 which indicates more negative opinion overall.</a:t>
+            </a:r>
+            <a:endParaRPr lang="en-US" sz="2400" dirty="0"/>
+          </a:p>
+        </p:txBody>
+      </p:sp>
+      <p:pic>
+        <p:nvPicPr>
+          <p:cNvPr id="2050" name="Picture 2"/>
+          <p:cNvPicPr>
+            <a:picLocks noGrp="1" noChangeAspect="1" noChangeArrowheads="1"/>
+          </p:cNvPicPr>
+          <p:nvPr>
+            <p:ph sz="half" idx="2"/>
+          </p:nvPr>
+        </p:nvPicPr>
+        <p:blipFill rotWithShape="1">
+          <a:blip r:embed="rId2">
+            <a:extLst>
+              <a:ext uri="{28A0092B-C50C-407E-A947-70E740481C1C}">
+                <a14:useLocalDpi xmlns:a14="http://schemas.microsoft.com/office/drawing/2010/main" val="0"/>
+              </a:ext>
+            </a:extLst>
+          </a:blip>
+          <a:srcRect l="20752" t="38208" r="62745" b="33905"/>
+          <a:stretch/>
+        </p:blipFill>
+        <p:spPr bwMode="auto">
+          <a:xfrm>
+            <a:off x="6680198" y="939798"/>
+            <a:ext cx="4775200" cy="2641600"/>
+          </a:xfrm>
+          <a:prstGeom prst="rect">
+            <a:avLst/>
+          </a:prstGeom>
+          <a:ln w="228600" cap="sq" cmpd="thickThin">
+            <a:solidFill>
+              <a:srgbClr val="000000"/>
+            </a:solidFill>
+            <a:prstDash val="solid"/>
+            <a:miter lim="800000"/>
+          </a:ln>
+          <a:effectLst>
+            <a:innerShdw blurRad="76200">
+              <a:srgbClr val="000000"/>
+            </a:innerShdw>
+          </a:effectLst>
+          <a:extLst>
+            <a:ext uri="{909E8E84-426E-40DD-AFC4-6F175D3DCCD1}">
+              <a14:hiddenFill xmlns:a14="http://schemas.microsoft.com/office/drawing/2010/main">
+                <a:solidFill>
+                  <a:schemeClr val="accent1"/>
+                </a:solidFill>
+              </a14:hiddenFill>
+            </a:ext>
+            <a:ext uri="{91240B29-F687-4F45-9708-019B960494DF}">
+              <a14:hiddenLine xmlns:a14="http://schemas.microsoft.com/office/drawing/2010/main" w="9525">
+                <a:solidFill>
+                  <a:schemeClr val="tx1"/>
+                </a:solidFill>
+                <a:miter lim="800000"/>
+                <a:headEnd/>
+                <a:tailEnd/>
+              </a14:hiddenLine>
+            </a:ext>
+          </a:extLst>
+        </p:spPr>
+      </p:pic>
+      <p:pic>
+        <p:nvPicPr>
+          <p:cNvPr id="2052" name="Picture 4"/>
+          <p:cNvPicPr>
+            <a:picLocks noChangeAspect="1" noChangeArrowheads="1"/>
+          </p:cNvPicPr>
+          <p:nvPr/>
+        </p:nvPicPr>
+        <p:blipFill rotWithShape="1">
+          <a:blip r:embed="rId3">
+            <a:extLst>
+              <a:ext uri="{28A0092B-C50C-407E-A947-70E740481C1C}">
+                <a14:useLocalDpi xmlns:a14="http://schemas.microsoft.com/office/drawing/2010/main" val="0"/>
+              </a:ext>
+            </a:extLst>
+          </a:blip>
+          <a:srcRect l="20695" t="37531" r="51528" b="33333"/>
+          <a:stretch/>
+        </p:blipFill>
+        <p:spPr bwMode="auto">
+          <a:xfrm>
+            <a:off x="6316134" y="3909481"/>
+            <a:ext cx="2446866" cy="2175934"/>
+          </a:xfrm>
+          <a:prstGeom prst="rect">
+            <a:avLst/>
+          </a:prstGeom>
+          <a:ln w="228600" cap="sq" cmpd="thickThin">
+            <a:solidFill>
+              <a:srgbClr val="000000"/>
+            </a:solidFill>
+            <a:prstDash val="solid"/>
+            <a:miter lim="800000"/>
+          </a:ln>
+          <a:effectLst>
+            <a:innerShdw blurRad="76200">
+              <a:srgbClr val="000000"/>
+            </a:innerShdw>
+          </a:effectLst>
+          <a:extLst>
+            <a:ext uri="{909E8E84-426E-40DD-AFC4-6F175D3DCCD1}">
+              <a14:hiddenFill xmlns:a14="http://schemas.microsoft.com/office/drawing/2010/main">
+                <a:solidFill>
+                  <a:schemeClr val="accent1"/>
+                </a:solidFill>
+              </a14:hiddenFill>
+            </a:ext>
+            <a:ext uri="{91240B29-F687-4F45-9708-019B960494DF}">
+              <a14:hiddenLine xmlns:a14="http://schemas.microsoft.com/office/drawing/2010/main" w="9525">
+                <a:solidFill>
+                  <a:schemeClr val="tx1"/>
+                </a:solidFill>
+                <a:miter lim="800000"/>
+                <a:headEnd/>
+                <a:tailEnd/>
+              </a14:hiddenLine>
+            </a:ext>
+          </a:extLst>
+        </p:spPr>
+      </p:pic>
+      <p:pic>
+        <p:nvPicPr>
+          <p:cNvPr id="2053" name="Picture 5"/>
+          <p:cNvPicPr>
+            <a:picLocks noChangeAspect="1" noChangeArrowheads="1"/>
+          </p:cNvPicPr>
+          <p:nvPr/>
+        </p:nvPicPr>
+        <p:blipFill rotWithShape="1">
+          <a:blip r:embed="rId4">
+            <a:extLst>
+              <a:ext uri="{28A0092B-C50C-407E-A947-70E740481C1C}">
+                <a14:useLocalDpi xmlns:a14="http://schemas.microsoft.com/office/drawing/2010/main" val="0"/>
+              </a:ext>
+            </a:extLst>
+          </a:blip>
+          <a:srcRect l="20694" t="39999" r="52639" b="31482"/>
+          <a:stretch/>
+        </p:blipFill>
+        <p:spPr bwMode="auto">
+          <a:xfrm>
+            <a:off x="9220201" y="3909481"/>
+            <a:ext cx="2607732" cy="2175934"/>
+          </a:xfrm>
+          <a:prstGeom prst="rect">
+            <a:avLst/>
+          </a:prstGeom>
+          <a:ln w="228600" cap="sq" cmpd="thickThin">
+            <a:solidFill>
+              <a:srgbClr val="000000"/>
+            </a:solidFill>
+            <a:prstDash val="solid"/>
+            <a:miter lim="800000"/>
+          </a:ln>
+          <a:effectLst>
+            <a:innerShdw blurRad="76200">
+              <a:srgbClr val="000000"/>
+            </a:innerShdw>
+          </a:effectLst>
+          <a:extLst>
+            <a:ext uri="{909E8E84-426E-40DD-AFC4-6F175D3DCCD1}">
+              <a14:hiddenFill xmlns:a14="http://schemas.microsoft.com/office/drawing/2010/main">
+                <a:solidFill>
+                  <a:schemeClr val="accent1"/>
+                </a:solidFill>
+              </a14:hiddenFill>
+            </a:ext>
+            <a:ext uri="{91240B29-F687-4F45-9708-019B960494DF}">
+              <a14:hiddenLine xmlns:a14="http://schemas.microsoft.com/office/drawing/2010/main" w="9525">
+                <a:solidFill>
+                  <a:schemeClr val="tx1"/>
+                </a:solidFill>
+                <a:miter lim="800000"/>
+                <a:headEnd/>
+                <a:tailEnd/>
+              </a14:hiddenLine>
+            </a:ext>
+          </a:extLst>
+        </p:spPr>
+      </p:pic>
+    </p:spTree>
+    <p:extLst>
+      <p:ext uri="{BB962C8B-B14F-4D97-AF65-F5344CB8AC3E}">
+        <p14:creationId xmlns:p14="http://schemas.microsoft.com/office/powerpoint/2010/main" val="3641461046"/>
+      </p:ext>
+    </p:extLst>
+  </p:cSld>
+  <p:clrMapOvr>
+    <a:masterClrMapping/>
+  </p:clrMapOvr>
+</p:sld>
+</file>
+
+<file path=ppt/slides/slide4.xml><?xml version="1.0" encoding="utf-8"?>
+<p:sld xmlns:a="http://schemas.openxmlformats.org/drawingml/2006/main" xmlns:r="http://schemas.openxmlformats.org/officeDocument/2006/relationships" xmlns:p="http://schemas.openxmlformats.org/presentationml/2006/main">
+  <p:cSld>
+    <p:spTree>
+      <p:nvGrpSpPr>
+        <p:cNvPr id="1" name=""/>
+        <p:cNvGrpSpPr/>
+        <p:nvPr/>
+      </p:nvGrpSpPr>
+      <p:grpSpPr>
+        <a:xfrm>
+          <a:off x="0" y="0"/>
+          <a:ext cx="0" cy="0"/>
+          <a:chOff x="0" y="0"/>
+          <a:chExt cx="0" cy="0"/>
+        </a:xfrm>
+      </p:grpSpPr>
+      <p:sp>
+        <p:nvSpPr>
+          <p:cNvPr id="4" name="Title 3"/>
+          <p:cNvSpPr>
+            <a:spLocks noGrp="1"/>
+          </p:cNvSpPr>
+          <p:nvPr>
+            <p:ph type="title"/>
+          </p:nvPr>
+        </p:nvSpPr>
+        <p:spPr/>
+        <p:txBody>
+          <a:bodyPr/>
+          <a:lstStyle/>
+          <a:p>
+            <a:r>
+              <a:rPr lang="en-US" u="sng" dirty="0" smtClean="0"/>
+              <a:t>More Plots</a:t>
+            </a:r>
+            <a:r>
+              <a:rPr lang="en-US" u="sng" dirty="0" smtClean="0">
+                <a:sym typeface="Wingdings" panose="05000000000000000000" pitchFamily="2" charset="2"/>
+              </a:rPr>
+              <a:t>: ( line and box plots)</a:t>
+            </a:r>
+            <a:endParaRPr lang="en-US" u="sng" dirty="0"/>
+          </a:p>
+        </p:txBody>
+      </p:sp>
+      <p:pic>
+        <p:nvPicPr>
+          <p:cNvPr id="3074" name="Picture 2"/>
+          <p:cNvPicPr>
+            <a:picLocks noGrp="1" noChangeAspect="1" noChangeArrowheads="1"/>
+          </p:cNvPicPr>
+          <p:nvPr>
+            <p:ph sz="half" idx="1"/>
+          </p:nvPr>
+        </p:nvPicPr>
+        <p:blipFill rotWithShape="1">
+          <a:blip r:embed="rId2">
+            <a:extLst>
+              <a:ext uri="{28A0092B-C50C-407E-A947-70E740481C1C}">
+                <a14:useLocalDpi xmlns:a14="http://schemas.microsoft.com/office/drawing/2010/main" val="0"/>
+              </a:ext>
+            </a:extLst>
+          </a:blip>
+          <a:srcRect l="20588" t="30365" r="51145" b="45234"/>
+          <a:stretch/>
+        </p:blipFill>
+        <p:spPr bwMode="auto">
+          <a:xfrm>
+            <a:off x="812801" y="2429933"/>
+            <a:ext cx="4707466" cy="2743200"/>
+          </a:xfrm>
+          <a:prstGeom prst="rect">
+            <a:avLst/>
+          </a:prstGeom>
+          <a:ln w="228600" cap="sq" cmpd="thickThin">
+            <a:solidFill>
+              <a:srgbClr val="000000"/>
+            </a:solidFill>
+            <a:prstDash val="solid"/>
+            <a:miter lim="800000"/>
+          </a:ln>
+          <a:effectLst>
+            <a:innerShdw blurRad="76200">
+              <a:srgbClr val="000000"/>
+            </a:innerShdw>
+          </a:effectLst>
+          <a:extLst>
+            <a:ext uri="{909E8E84-426E-40DD-AFC4-6F175D3DCCD1}">
+              <a14:hiddenFill xmlns:a14="http://schemas.microsoft.com/office/drawing/2010/main">
+                <a:solidFill>
+                  <a:schemeClr val="accent1"/>
+                </a:solidFill>
+              </a14:hiddenFill>
+            </a:ext>
+            <a:ext uri="{91240B29-F687-4F45-9708-019B960494DF}">
+              <a14:hiddenLine xmlns:a14="http://schemas.microsoft.com/office/drawing/2010/main" w="9525">
+                <a:solidFill>
+                  <a:schemeClr val="tx1"/>
+                </a:solidFill>
+                <a:miter lim="800000"/>
+                <a:headEnd/>
+                <a:tailEnd/>
+              </a14:hiddenLine>
+            </a:ext>
+          </a:extLst>
+        </p:spPr>
+      </p:pic>
+      <p:pic>
+        <p:nvPicPr>
+          <p:cNvPr id="3075" name="Picture 3"/>
+          <p:cNvPicPr>
+            <a:picLocks noGrp="1" noChangeAspect="1" noChangeArrowheads="1"/>
+          </p:cNvPicPr>
+          <p:nvPr>
+            <p:ph sz="half" idx="2"/>
+          </p:nvPr>
+        </p:nvPicPr>
+        <p:blipFill rotWithShape="1">
+          <a:blip r:embed="rId2">
+            <a:extLst>
+              <a:ext uri="{28A0092B-C50C-407E-A947-70E740481C1C}">
+                <a14:useLocalDpi xmlns:a14="http://schemas.microsoft.com/office/drawing/2010/main" val="0"/>
+              </a:ext>
+            </a:extLst>
+          </a:blip>
+          <a:srcRect l="20752" t="60576" r="51633" b="15895"/>
+          <a:stretch/>
+        </p:blipFill>
+        <p:spPr bwMode="auto">
+          <a:xfrm>
+            <a:off x="5960533" y="2429933"/>
+            <a:ext cx="4707467" cy="2743200"/>
+          </a:xfrm>
+          <a:prstGeom prst="rect">
+            <a:avLst/>
+          </a:prstGeom>
+          <a:ln w="228600" cap="sq" cmpd="thickThin">
+            <a:solidFill>
+              <a:srgbClr val="000000"/>
+            </a:solidFill>
+            <a:prstDash val="solid"/>
+            <a:miter lim="800000"/>
+          </a:ln>
+          <a:effectLst>
+            <a:innerShdw blurRad="76200">
+              <a:srgbClr val="000000"/>
+            </a:innerShdw>
+          </a:effectLst>
+          <a:extLst>
+            <a:ext uri="{909E8E84-426E-40DD-AFC4-6F175D3DCCD1}">
+              <a14:hiddenFill xmlns:a14="http://schemas.microsoft.com/office/drawing/2010/main">
+                <a:solidFill>
+                  <a:schemeClr val="accent1"/>
+                </a:solidFill>
+              </a14:hiddenFill>
+            </a:ext>
+            <a:ext uri="{91240B29-F687-4F45-9708-019B960494DF}">
+              <a14:hiddenLine xmlns:a14="http://schemas.microsoft.com/office/drawing/2010/main" w="9525">
+                <a:solidFill>
+                  <a:schemeClr val="tx1"/>
+                </a:solidFill>
+                <a:miter lim="800000"/>
+                <a:headEnd/>
+                <a:tailEnd/>
+              </a14:hiddenLine>
+            </a:ext>
+          </a:extLst>
+        </p:spPr>
+      </p:pic>
+    </p:spTree>
+    <p:extLst>
+      <p:ext uri="{BB962C8B-B14F-4D97-AF65-F5344CB8AC3E}">
+        <p14:creationId xmlns:p14="http://schemas.microsoft.com/office/powerpoint/2010/main" val="3641461046"/>
       </p:ext>
     </p:extLst>
   </p:cSld>
@@ -4048,7 +4574,7 @@
   <a:extraClrSchemeLst/>
   <a:extLst>
     <a:ext uri="{05A4C25C-085E-4340-85A3-A5531E510DB2}">
-      <thm15:themeFamily xmlns:thm15="http://schemas.microsoft.com/office/thememl/2012/main" name="Office Theme" id="{62F939B6-93AF-4DB8-9C6B-D6C7DFDC589F}" vid="{4A3C46E8-61CC-4603-A589-7422A47A8E4A}"/>
+      <thm15:themeFamily xmlns:thm15="http://schemas.microsoft.com/office/thememl/2012/main" xmlns="" name="Office Theme" id="{62F939B6-93AF-4DB8-9C6B-D6C7DFDC589F}" vid="{4A3C46E8-61CC-4603-A589-7422A47A8E4A}"/>
     </a:ext>
   </a:extLst>
 </a:theme>

--- a/Presentation Template - Task 1.pptx
+++ b/Presentation Template - Task 1.pptx
@@ -109,7 +109,7 @@
   </p:defaultTextStyle>
   <p:extLst>
     <p:ext uri="{EFAFB233-063F-42B5-8137-9DF3F51BA10A}">
-      <p15:sldGuideLst xmlns:p15="http://schemas.microsoft.com/office/powerpoint/2012/main" xmlns=""/>
+      <p15:sldGuideLst xmlns="" xmlns:p15="http://schemas.microsoft.com/office/powerpoint/2012/main"/>
     </p:ext>
   </p:extLst>
 </p:presentation>
@@ -137,7 +137,7 @@
           <p:cNvPr id="2" name="Title 1">
             <a:extLst>
               <a:ext uri="{FF2B5EF4-FFF2-40B4-BE49-F238E27FC236}">
-                <a16:creationId xmlns:a16="http://schemas.microsoft.com/office/drawing/2014/main" xmlns="" id="{0E1CB125-2F04-85CC-B9E4-859AD27DD3DF}"/>
+                <a16:creationId xmlns="" xmlns:a16="http://schemas.microsoft.com/office/drawing/2014/main" id="{0E1CB125-2F04-85CC-B9E4-859AD27DD3DF}"/>
               </a:ext>
             </a:extLst>
           </p:cNvPr>
@@ -175,7 +175,7 @@
           <p:cNvPr id="3" name="Subtitle 2">
             <a:extLst>
               <a:ext uri="{FF2B5EF4-FFF2-40B4-BE49-F238E27FC236}">
-                <a16:creationId xmlns:a16="http://schemas.microsoft.com/office/drawing/2014/main" xmlns="" id="{968CF164-6A92-3964-A2E5-CD439A60E8D6}"/>
+                <a16:creationId xmlns="" xmlns:a16="http://schemas.microsoft.com/office/drawing/2014/main" id="{968CF164-6A92-3964-A2E5-CD439A60E8D6}"/>
               </a:ext>
             </a:extLst>
           </p:cNvPr>
@@ -246,7 +246,7 @@
           <p:cNvPr id="4" name="Date Placeholder 3">
             <a:extLst>
               <a:ext uri="{FF2B5EF4-FFF2-40B4-BE49-F238E27FC236}">
-                <a16:creationId xmlns:a16="http://schemas.microsoft.com/office/drawing/2014/main" xmlns="" id="{CF666AE8-A5E4-529C-376D-A7F21A81DCA8}"/>
+                <a16:creationId xmlns="" xmlns:a16="http://schemas.microsoft.com/office/drawing/2014/main" id="{CF666AE8-A5E4-529C-376D-A7F21A81DCA8}"/>
               </a:ext>
             </a:extLst>
           </p:cNvPr>
@@ -264,7 +264,7 @@
           <a:p>
             <a:fld id="{6670FE10-F406-47AF-8AE1-E9BA4C7E25F2}" type="datetimeFigureOut">
               <a:rPr lang="en-GB" smtClean="0"/>
-              <a:t>29/05/2023</a:t>
+              <a:t>30/05/2023</a:t>
             </a:fld>
             <a:endParaRPr lang="en-GB" dirty="0"/>
           </a:p>
@@ -275,7 +275,7 @@
           <p:cNvPr id="5" name="Footer Placeholder 4">
             <a:extLst>
               <a:ext uri="{FF2B5EF4-FFF2-40B4-BE49-F238E27FC236}">
-                <a16:creationId xmlns:a16="http://schemas.microsoft.com/office/drawing/2014/main" xmlns="" id="{C631255B-22D2-BFD0-6E2B-2CB909435FC6}"/>
+                <a16:creationId xmlns="" xmlns:a16="http://schemas.microsoft.com/office/drawing/2014/main" id="{C631255B-22D2-BFD0-6E2B-2CB909435FC6}"/>
               </a:ext>
             </a:extLst>
           </p:cNvPr>
@@ -303,7 +303,7 @@
           <p:cNvPr id="6" name="Slide Number Placeholder 5">
             <a:extLst>
               <a:ext uri="{FF2B5EF4-FFF2-40B4-BE49-F238E27FC236}">
-                <a16:creationId xmlns:a16="http://schemas.microsoft.com/office/drawing/2014/main" xmlns="" id="{8B6AC3F9-8084-22E7-D885-8B98F38D04B0}"/>
+                <a16:creationId xmlns="" xmlns:a16="http://schemas.microsoft.com/office/drawing/2014/main" id="{8B6AC3F9-8084-22E7-D885-8B98F38D04B0}"/>
               </a:ext>
             </a:extLst>
           </p:cNvPr>
@@ -332,7 +332,7 @@
           <p:cNvPr id="7" name="Footer Placeholder 4">
             <a:extLst>
               <a:ext uri="{FF2B5EF4-FFF2-40B4-BE49-F238E27FC236}">
-                <a16:creationId xmlns:a16="http://schemas.microsoft.com/office/drawing/2014/main" xmlns="" id="{34687BFD-2914-5915-09E8-574865A5731A}"/>
+                <a16:creationId xmlns="" xmlns:a16="http://schemas.microsoft.com/office/drawing/2014/main" id="{34687BFD-2914-5915-09E8-574865A5731A}"/>
               </a:ext>
             </a:extLst>
           </p:cNvPr>
@@ -493,7 +493,7 @@
           <p:cNvPr id="2" name="Title 1">
             <a:extLst>
               <a:ext uri="{FF2B5EF4-FFF2-40B4-BE49-F238E27FC236}">
-                <a16:creationId xmlns:a16="http://schemas.microsoft.com/office/drawing/2014/main" xmlns="" id="{C98F7736-4A28-81E7-C82E-E08B9124291F}"/>
+                <a16:creationId xmlns="" xmlns:a16="http://schemas.microsoft.com/office/drawing/2014/main" id="{C98F7736-4A28-81E7-C82E-E08B9124291F}"/>
               </a:ext>
             </a:extLst>
           </p:cNvPr>
@@ -522,7 +522,7 @@
           <p:cNvPr id="3" name="Vertical Text Placeholder 2">
             <a:extLst>
               <a:ext uri="{FF2B5EF4-FFF2-40B4-BE49-F238E27FC236}">
-                <a16:creationId xmlns:a16="http://schemas.microsoft.com/office/drawing/2014/main" xmlns="" id="{47BF6A39-8901-64F9-CB89-5DEDADC71459}"/>
+                <a16:creationId xmlns="" xmlns:a16="http://schemas.microsoft.com/office/drawing/2014/main" id="{47BF6A39-8901-64F9-CB89-5DEDADC71459}"/>
               </a:ext>
             </a:extLst>
           </p:cNvPr>
@@ -580,7 +580,7 @@
           <p:cNvPr id="4" name="Date Placeholder 3">
             <a:extLst>
               <a:ext uri="{FF2B5EF4-FFF2-40B4-BE49-F238E27FC236}">
-                <a16:creationId xmlns:a16="http://schemas.microsoft.com/office/drawing/2014/main" xmlns="" id="{79DCAC13-CEF5-615F-7188-2FF616782B18}"/>
+                <a16:creationId xmlns="" xmlns:a16="http://schemas.microsoft.com/office/drawing/2014/main" id="{79DCAC13-CEF5-615F-7188-2FF616782B18}"/>
               </a:ext>
             </a:extLst>
           </p:cNvPr>
@@ -598,7 +598,7 @@
           <a:p>
             <a:fld id="{6670FE10-F406-47AF-8AE1-E9BA4C7E25F2}" type="datetimeFigureOut">
               <a:rPr lang="en-GB" smtClean="0"/>
-              <a:t>29/05/2023</a:t>
+              <a:t>30/05/2023</a:t>
             </a:fld>
             <a:endParaRPr lang="en-GB"/>
           </a:p>
@@ -609,7 +609,7 @@
           <p:cNvPr id="5" name="Footer Placeholder 4">
             <a:extLst>
               <a:ext uri="{FF2B5EF4-FFF2-40B4-BE49-F238E27FC236}">
-                <a16:creationId xmlns:a16="http://schemas.microsoft.com/office/drawing/2014/main" xmlns="" id="{12A0B23E-BB41-954A-D844-68F59222D930}"/>
+                <a16:creationId xmlns="" xmlns:a16="http://schemas.microsoft.com/office/drawing/2014/main" id="{12A0B23E-BB41-954A-D844-68F59222D930}"/>
               </a:ext>
             </a:extLst>
           </p:cNvPr>
@@ -634,7 +634,7 @@
           <p:cNvPr id="6" name="Slide Number Placeholder 5">
             <a:extLst>
               <a:ext uri="{FF2B5EF4-FFF2-40B4-BE49-F238E27FC236}">
-                <a16:creationId xmlns:a16="http://schemas.microsoft.com/office/drawing/2014/main" xmlns="" id="{781B89A1-9BF9-CB79-4981-4A057B60A758}"/>
+                <a16:creationId xmlns="" xmlns:a16="http://schemas.microsoft.com/office/drawing/2014/main" id="{781B89A1-9BF9-CB79-4981-4A057B60A758}"/>
               </a:ext>
             </a:extLst>
           </p:cNvPr>
@@ -693,7 +693,7 @@
           <p:cNvPr id="2" name="Vertical Title 1">
             <a:extLst>
               <a:ext uri="{FF2B5EF4-FFF2-40B4-BE49-F238E27FC236}">
-                <a16:creationId xmlns:a16="http://schemas.microsoft.com/office/drawing/2014/main" xmlns="" id="{B333CEA5-A5BC-42F6-9417-DE058EAF38DB}"/>
+                <a16:creationId xmlns="" xmlns:a16="http://schemas.microsoft.com/office/drawing/2014/main" id="{B333CEA5-A5BC-42F6-9417-DE058EAF38DB}"/>
               </a:ext>
             </a:extLst>
           </p:cNvPr>
@@ -727,7 +727,7 @@
           <p:cNvPr id="3" name="Vertical Text Placeholder 2">
             <a:extLst>
               <a:ext uri="{FF2B5EF4-FFF2-40B4-BE49-F238E27FC236}">
-                <a16:creationId xmlns:a16="http://schemas.microsoft.com/office/drawing/2014/main" xmlns="" id="{39B20003-77E7-76F4-127A-9FAD2038EF14}"/>
+                <a16:creationId xmlns="" xmlns:a16="http://schemas.microsoft.com/office/drawing/2014/main" id="{39B20003-77E7-76F4-127A-9FAD2038EF14}"/>
               </a:ext>
             </a:extLst>
           </p:cNvPr>
@@ -790,7 +790,7 @@
           <p:cNvPr id="4" name="Date Placeholder 3">
             <a:extLst>
               <a:ext uri="{FF2B5EF4-FFF2-40B4-BE49-F238E27FC236}">
-                <a16:creationId xmlns:a16="http://schemas.microsoft.com/office/drawing/2014/main" xmlns="" id="{D6F2C76B-2410-6DF5-E769-3F1375B9F60C}"/>
+                <a16:creationId xmlns="" xmlns:a16="http://schemas.microsoft.com/office/drawing/2014/main" id="{D6F2C76B-2410-6DF5-E769-3F1375B9F60C}"/>
               </a:ext>
             </a:extLst>
           </p:cNvPr>
@@ -808,7 +808,7 @@
           <a:p>
             <a:fld id="{6670FE10-F406-47AF-8AE1-E9BA4C7E25F2}" type="datetimeFigureOut">
               <a:rPr lang="en-GB" smtClean="0"/>
-              <a:t>29/05/2023</a:t>
+              <a:t>30/05/2023</a:t>
             </a:fld>
             <a:endParaRPr lang="en-GB"/>
           </a:p>
@@ -819,7 +819,7 @@
           <p:cNvPr id="5" name="Footer Placeholder 4">
             <a:extLst>
               <a:ext uri="{FF2B5EF4-FFF2-40B4-BE49-F238E27FC236}">
-                <a16:creationId xmlns:a16="http://schemas.microsoft.com/office/drawing/2014/main" xmlns="" id="{989A810E-232E-6F62-BDC3-DA16DA4EE14C}"/>
+                <a16:creationId xmlns="" xmlns:a16="http://schemas.microsoft.com/office/drawing/2014/main" id="{989A810E-232E-6F62-BDC3-DA16DA4EE14C}"/>
               </a:ext>
             </a:extLst>
           </p:cNvPr>
@@ -844,7 +844,7 @@
           <p:cNvPr id="6" name="Slide Number Placeholder 5">
             <a:extLst>
               <a:ext uri="{FF2B5EF4-FFF2-40B4-BE49-F238E27FC236}">
-                <a16:creationId xmlns:a16="http://schemas.microsoft.com/office/drawing/2014/main" xmlns="" id="{D809F2B8-DDB4-2806-89D5-BFB2856E1266}"/>
+                <a16:creationId xmlns="" xmlns:a16="http://schemas.microsoft.com/office/drawing/2014/main" id="{D809F2B8-DDB4-2806-89D5-BFB2856E1266}"/>
               </a:ext>
             </a:extLst>
           </p:cNvPr>
@@ -903,7 +903,7 @@
           <p:cNvPr id="2" name="Title 1">
             <a:extLst>
               <a:ext uri="{FF2B5EF4-FFF2-40B4-BE49-F238E27FC236}">
-                <a16:creationId xmlns:a16="http://schemas.microsoft.com/office/drawing/2014/main" xmlns="" id="{32B96570-1523-0FD3-BC20-287B4073C611}"/>
+                <a16:creationId xmlns="" xmlns:a16="http://schemas.microsoft.com/office/drawing/2014/main" id="{32B96570-1523-0FD3-BC20-287B4073C611}"/>
               </a:ext>
             </a:extLst>
           </p:cNvPr>
@@ -932,7 +932,7 @@
           <p:cNvPr id="3" name="Content Placeholder 2">
             <a:extLst>
               <a:ext uri="{FF2B5EF4-FFF2-40B4-BE49-F238E27FC236}">
-                <a16:creationId xmlns:a16="http://schemas.microsoft.com/office/drawing/2014/main" xmlns="" id="{8D0B1C4E-5C84-9734-9EE1-BF86FB5C5F2A}"/>
+                <a16:creationId xmlns="" xmlns:a16="http://schemas.microsoft.com/office/drawing/2014/main" id="{8D0B1C4E-5C84-9734-9EE1-BF86FB5C5F2A}"/>
               </a:ext>
             </a:extLst>
           </p:cNvPr>
@@ -990,7 +990,7 @@
           <p:cNvPr id="4" name="Date Placeholder 3">
             <a:extLst>
               <a:ext uri="{FF2B5EF4-FFF2-40B4-BE49-F238E27FC236}">
-                <a16:creationId xmlns:a16="http://schemas.microsoft.com/office/drawing/2014/main" xmlns="" id="{22056992-9D89-2C0C-4C2C-BAE80A944102}"/>
+                <a16:creationId xmlns="" xmlns:a16="http://schemas.microsoft.com/office/drawing/2014/main" id="{22056992-9D89-2C0C-4C2C-BAE80A944102}"/>
               </a:ext>
             </a:extLst>
           </p:cNvPr>
@@ -1008,7 +1008,7 @@
           <a:p>
             <a:fld id="{6670FE10-F406-47AF-8AE1-E9BA4C7E25F2}" type="datetimeFigureOut">
               <a:rPr lang="en-GB" smtClean="0"/>
-              <a:t>29/05/2023</a:t>
+              <a:t>30/05/2023</a:t>
             </a:fld>
             <a:endParaRPr lang="en-GB"/>
           </a:p>
@@ -1019,7 +1019,7 @@
           <p:cNvPr id="5" name="Footer Placeholder 4">
             <a:extLst>
               <a:ext uri="{FF2B5EF4-FFF2-40B4-BE49-F238E27FC236}">
-                <a16:creationId xmlns:a16="http://schemas.microsoft.com/office/drawing/2014/main" xmlns="" id="{74DFFCB4-8863-0CCB-49C4-B6B7CD564D67}"/>
+                <a16:creationId xmlns="" xmlns:a16="http://schemas.microsoft.com/office/drawing/2014/main" id="{74DFFCB4-8863-0CCB-49C4-B6B7CD564D67}"/>
               </a:ext>
             </a:extLst>
           </p:cNvPr>
@@ -1044,7 +1044,7 @@
           <p:cNvPr id="6" name="Slide Number Placeholder 5">
             <a:extLst>
               <a:ext uri="{FF2B5EF4-FFF2-40B4-BE49-F238E27FC236}">
-                <a16:creationId xmlns:a16="http://schemas.microsoft.com/office/drawing/2014/main" xmlns="" id="{E36F401C-D4D3-3500-4073-E532BD9F1FD6}"/>
+                <a16:creationId xmlns="" xmlns:a16="http://schemas.microsoft.com/office/drawing/2014/main" id="{E36F401C-D4D3-3500-4073-E532BD9F1FD6}"/>
               </a:ext>
             </a:extLst>
           </p:cNvPr>
@@ -1073,7 +1073,7 @@
           <p:cNvPr id="7" name="Footer Placeholder 4">
             <a:extLst>
               <a:ext uri="{FF2B5EF4-FFF2-40B4-BE49-F238E27FC236}">
-                <a16:creationId xmlns:a16="http://schemas.microsoft.com/office/drawing/2014/main" xmlns="" id="{844B232F-D5B6-DEFE-8440-A43739EF1CB4}"/>
+                <a16:creationId xmlns="" xmlns:a16="http://schemas.microsoft.com/office/drawing/2014/main" id="{844B232F-D5B6-DEFE-8440-A43739EF1CB4}"/>
               </a:ext>
             </a:extLst>
           </p:cNvPr>
@@ -1234,7 +1234,7 @@
           <p:cNvPr id="2" name="Title 1">
             <a:extLst>
               <a:ext uri="{FF2B5EF4-FFF2-40B4-BE49-F238E27FC236}">
-                <a16:creationId xmlns:a16="http://schemas.microsoft.com/office/drawing/2014/main" xmlns="" id="{ACA9419F-3AA8-7780-4AB2-0778AAAFC21C}"/>
+                <a16:creationId xmlns="" xmlns:a16="http://schemas.microsoft.com/office/drawing/2014/main" id="{ACA9419F-3AA8-7780-4AB2-0778AAAFC21C}"/>
               </a:ext>
             </a:extLst>
           </p:cNvPr>
@@ -1272,7 +1272,7 @@
           <p:cNvPr id="3" name="Text Placeholder 2">
             <a:extLst>
               <a:ext uri="{FF2B5EF4-FFF2-40B4-BE49-F238E27FC236}">
-                <a16:creationId xmlns:a16="http://schemas.microsoft.com/office/drawing/2014/main" xmlns="" id="{F7210246-D5F0-A37C-2B2C-D6A6D3CB30DD}"/>
+                <a16:creationId xmlns="" xmlns:a16="http://schemas.microsoft.com/office/drawing/2014/main" id="{F7210246-D5F0-A37C-2B2C-D6A6D3CB30DD}"/>
               </a:ext>
             </a:extLst>
           </p:cNvPr>
@@ -1397,7 +1397,7 @@
           <p:cNvPr id="4" name="Date Placeholder 3">
             <a:extLst>
               <a:ext uri="{FF2B5EF4-FFF2-40B4-BE49-F238E27FC236}">
-                <a16:creationId xmlns:a16="http://schemas.microsoft.com/office/drawing/2014/main" xmlns="" id="{EE42C001-3FCB-0E6B-9E1F-20622B91CBC3}"/>
+                <a16:creationId xmlns="" xmlns:a16="http://schemas.microsoft.com/office/drawing/2014/main" id="{EE42C001-3FCB-0E6B-9E1F-20622B91CBC3}"/>
               </a:ext>
             </a:extLst>
           </p:cNvPr>
@@ -1415,7 +1415,7 @@
           <a:p>
             <a:fld id="{6670FE10-F406-47AF-8AE1-E9BA4C7E25F2}" type="datetimeFigureOut">
               <a:rPr lang="en-GB" smtClean="0"/>
-              <a:t>29/05/2023</a:t>
+              <a:t>30/05/2023</a:t>
             </a:fld>
             <a:endParaRPr lang="en-GB"/>
           </a:p>
@@ -1426,7 +1426,7 @@
           <p:cNvPr id="5" name="Footer Placeholder 4">
             <a:extLst>
               <a:ext uri="{FF2B5EF4-FFF2-40B4-BE49-F238E27FC236}">
-                <a16:creationId xmlns:a16="http://schemas.microsoft.com/office/drawing/2014/main" xmlns="" id="{B80F9F14-D78E-F738-AB9A-82903D4180EC}"/>
+                <a16:creationId xmlns="" xmlns:a16="http://schemas.microsoft.com/office/drawing/2014/main" id="{B80F9F14-D78E-F738-AB9A-82903D4180EC}"/>
               </a:ext>
             </a:extLst>
           </p:cNvPr>
@@ -1451,7 +1451,7 @@
           <p:cNvPr id="6" name="Slide Number Placeholder 5">
             <a:extLst>
               <a:ext uri="{FF2B5EF4-FFF2-40B4-BE49-F238E27FC236}">
-                <a16:creationId xmlns:a16="http://schemas.microsoft.com/office/drawing/2014/main" xmlns="" id="{3DA85AB1-BB89-8FEB-4B9B-6D47D0A3306D}"/>
+                <a16:creationId xmlns="" xmlns:a16="http://schemas.microsoft.com/office/drawing/2014/main" id="{3DA85AB1-BB89-8FEB-4B9B-6D47D0A3306D}"/>
               </a:ext>
             </a:extLst>
           </p:cNvPr>
@@ -1510,7 +1510,7 @@
           <p:cNvPr id="2" name="Title 1">
             <a:extLst>
               <a:ext uri="{FF2B5EF4-FFF2-40B4-BE49-F238E27FC236}">
-                <a16:creationId xmlns:a16="http://schemas.microsoft.com/office/drawing/2014/main" xmlns="" id="{24DD90D2-E4BE-3BAB-80D6-46034DFB3151}"/>
+                <a16:creationId xmlns="" xmlns:a16="http://schemas.microsoft.com/office/drawing/2014/main" id="{24DD90D2-E4BE-3BAB-80D6-46034DFB3151}"/>
               </a:ext>
             </a:extLst>
           </p:cNvPr>
@@ -1539,7 +1539,7 @@
           <p:cNvPr id="3" name="Content Placeholder 2">
             <a:extLst>
               <a:ext uri="{FF2B5EF4-FFF2-40B4-BE49-F238E27FC236}">
-                <a16:creationId xmlns:a16="http://schemas.microsoft.com/office/drawing/2014/main" xmlns="" id="{1BE216A8-1C74-E2BB-5D51-957032134746}"/>
+                <a16:creationId xmlns="" xmlns:a16="http://schemas.microsoft.com/office/drawing/2014/main" id="{1BE216A8-1C74-E2BB-5D51-957032134746}"/>
               </a:ext>
             </a:extLst>
           </p:cNvPr>
@@ -1602,7 +1602,7 @@
           <p:cNvPr id="4" name="Content Placeholder 3">
             <a:extLst>
               <a:ext uri="{FF2B5EF4-FFF2-40B4-BE49-F238E27FC236}">
-                <a16:creationId xmlns:a16="http://schemas.microsoft.com/office/drawing/2014/main" xmlns="" id="{E482CC0D-CA4E-02C7-076E-55D511571AB6}"/>
+                <a16:creationId xmlns="" xmlns:a16="http://schemas.microsoft.com/office/drawing/2014/main" id="{E482CC0D-CA4E-02C7-076E-55D511571AB6}"/>
               </a:ext>
             </a:extLst>
           </p:cNvPr>
@@ -1665,7 +1665,7 @@
           <p:cNvPr id="5" name="Date Placeholder 4">
             <a:extLst>
               <a:ext uri="{FF2B5EF4-FFF2-40B4-BE49-F238E27FC236}">
-                <a16:creationId xmlns:a16="http://schemas.microsoft.com/office/drawing/2014/main" xmlns="" id="{70BDE4EC-111C-93BE-1438-6CDC2E8FCC78}"/>
+                <a16:creationId xmlns="" xmlns:a16="http://schemas.microsoft.com/office/drawing/2014/main" id="{70BDE4EC-111C-93BE-1438-6CDC2E8FCC78}"/>
               </a:ext>
             </a:extLst>
           </p:cNvPr>
@@ -1683,7 +1683,7 @@
           <a:p>
             <a:fld id="{6670FE10-F406-47AF-8AE1-E9BA4C7E25F2}" type="datetimeFigureOut">
               <a:rPr lang="en-GB" smtClean="0"/>
-              <a:t>29/05/2023</a:t>
+              <a:t>30/05/2023</a:t>
             </a:fld>
             <a:endParaRPr lang="en-GB"/>
           </a:p>
@@ -1694,7 +1694,7 @@
           <p:cNvPr id="6" name="Footer Placeholder 5">
             <a:extLst>
               <a:ext uri="{FF2B5EF4-FFF2-40B4-BE49-F238E27FC236}">
-                <a16:creationId xmlns:a16="http://schemas.microsoft.com/office/drawing/2014/main" xmlns="" id="{ABE612E8-024B-A8EE-5D52-CE4D6B315CBE}"/>
+                <a16:creationId xmlns="" xmlns:a16="http://schemas.microsoft.com/office/drawing/2014/main" id="{ABE612E8-024B-A8EE-5D52-CE4D6B315CBE}"/>
               </a:ext>
             </a:extLst>
           </p:cNvPr>
@@ -1719,7 +1719,7 @@
           <p:cNvPr id="7" name="Slide Number Placeholder 6">
             <a:extLst>
               <a:ext uri="{FF2B5EF4-FFF2-40B4-BE49-F238E27FC236}">
-                <a16:creationId xmlns:a16="http://schemas.microsoft.com/office/drawing/2014/main" xmlns="" id="{838136DD-9F31-209F-5224-7E8DA5ED84DF}"/>
+                <a16:creationId xmlns="" xmlns:a16="http://schemas.microsoft.com/office/drawing/2014/main" id="{838136DD-9F31-209F-5224-7E8DA5ED84DF}"/>
               </a:ext>
             </a:extLst>
           </p:cNvPr>
@@ -1778,7 +1778,7 @@
           <p:cNvPr id="2" name="Title 1">
             <a:extLst>
               <a:ext uri="{FF2B5EF4-FFF2-40B4-BE49-F238E27FC236}">
-                <a16:creationId xmlns:a16="http://schemas.microsoft.com/office/drawing/2014/main" xmlns="" id="{F0ACAF4E-854C-2F13-E1E3-1FCD814C36C1}"/>
+                <a16:creationId xmlns="" xmlns:a16="http://schemas.microsoft.com/office/drawing/2014/main" id="{F0ACAF4E-854C-2F13-E1E3-1FCD814C36C1}"/>
               </a:ext>
             </a:extLst>
           </p:cNvPr>
@@ -1812,7 +1812,7 @@
           <p:cNvPr id="3" name="Text Placeholder 2">
             <a:extLst>
               <a:ext uri="{FF2B5EF4-FFF2-40B4-BE49-F238E27FC236}">
-                <a16:creationId xmlns:a16="http://schemas.microsoft.com/office/drawing/2014/main" xmlns="" id="{55F20CA3-8962-ED78-5627-E2AFD1FA8C10}"/>
+                <a16:creationId xmlns="" xmlns:a16="http://schemas.microsoft.com/office/drawing/2014/main" id="{55F20CA3-8962-ED78-5627-E2AFD1FA8C10}"/>
               </a:ext>
             </a:extLst>
           </p:cNvPr>
@@ -1883,7 +1883,7 @@
           <p:cNvPr id="4" name="Content Placeholder 3">
             <a:extLst>
               <a:ext uri="{FF2B5EF4-FFF2-40B4-BE49-F238E27FC236}">
-                <a16:creationId xmlns:a16="http://schemas.microsoft.com/office/drawing/2014/main" xmlns="" id="{A9DFED54-B3EB-EDCE-24C1-E05D0B1AAE2D}"/>
+                <a16:creationId xmlns="" xmlns:a16="http://schemas.microsoft.com/office/drawing/2014/main" id="{A9DFED54-B3EB-EDCE-24C1-E05D0B1AAE2D}"/>
               </a:ext>
             </a:extLst>
           </p:cNvPr>
@@ -1946,7 +1946,7 @@
           <p:cNvPr id="5" name="Text Placeholder 4">
             <a:extLst>
               <a:ext uri="{FF2B5EF4-FFF2-40B4-BE49-F238E27FC236}">
-                <a16:creationId xmlns:a16="http://schemas.microsoft.com/office/drawing/2014/main" xmlns="" id="{6DB824DE-EEE0-3583-344D-DEB814DF9A03}"/>
+                <a16:creationId xmlns="" xmlns:a16="http://schemas.microsoft.com/office/drawing/2014/main" id="{6DB824DE-EEE0-3583-344D-DEB814DF9A03}"/>
               </a:ext>
             </a:extLst>
           </p:cNvPr>
@@ -2017,7 +2017,7 @@
           <p:cNvPr id="6" name="Content Placeholder 5">
             <a:extLst>
               <a:ext uri="{FF2B5EF4-FFF2-40B4-BE49-F238E27FC236}">
-                <a16:creationId xmlns:a16="http://schemas.microsoft.com/office/drawing/2014/main" xmlns="" id="{26C3C5AD-D28A-542C-CF9F-7650793A3835}"/>
+                <a16:creationId xmlns="" xmlns:a16="http://schemas.microsoft.com/office/drawing/2014/main" id="{26C3C5AD-D28A-542C-CF9F-7650793A3835}"/>
               </a:ext>
             </a:extLst>
           </p:cNvPr>
@@ -2080,7 +2080,7 @@
           <p:cNvPr id="7" name="Date Placeholder 6">
             <a:extLst>
               <a:ext uri="{FF2B5EF4-FFF2-40B4-BE49-F238E27FC236}">
-                <a16:creationId xmlns:a16="http://schemas.microsoft.com/office/drawing/2014/main" xmlns="" id="{7BCFE2E4-8192-9EA2-4489-80F4A15EFB6B}"/>
+                <a16:creationId xmlns="" xmlns:a16="http://schemas.microsoft.com/office/drawing/2014/main" id="{7BCFE2E4-8192-9EA2-4489-80F4A15EFB6B}"/>
               </a:ext>
             </a:extLst>
           </p:cNvPr>
@@ -2098,7 +2098,7 @@
           <a:p>
             <a:fld id="{6670FE10-F406-47AF-8AE1-E9BA4C7E25F2}" type="datetimeFigureOut">
               <a:rPr lang="en-GB" smtClean="0"/>
-              <a:t>29/05/2023</a:t>
+              <a:t>30/05/2023</a:t>
             </a:fld>
             <a:endParaRPr lang="en-GB"/>
           </a:p>
@@ -2109,7 +2109,7 @@
           <p:cNvPr id="8" name="Footer Placeholder 7">
             <a:extLst>
               <a:ext uri="{FF2B5EF4-FFF2-40B4-BE49-F238E27FC236}">
-                <a16:creationId xmlns:a16="http://schemas.microsoft.com/office/drawing/2014/main" xmlns="" id="{0124C7DB-3AF1-24E1-DCBE-207B96CA5B37}"/>
+                <a16:creationId xmlns="" xmlns:a16="http://schemas.microsoft.com/office/drawing/2014/main" id="{0124C7DB-3AF1-24E1-DCBE-207B96CA5B37}"/>
               </a:ext>
             </a:extLst>
           </p:cNvPr>
@@ -2134,7 +2134,7 @@
           <p:cNvPr id="9" name="Slide Number Placeholder 8">
             <a:extLst>
               <a:ext uri="{FF2B5EF4-FFF2-40B4-BE49-F238E27FC236}">
-                <a16:creationId xmlns:a16="http://schemas.microsoft.com/office/drawing/2014/main" xmlns="" id="{F0FA5518-D3AE-F720-2BE0-3F9DB2DFA9EF}"/>
+                <a16:creationId xmlns="" xmlns:a16="http://schemas.microsoft.com/office/drawing/2014/main" id="{F0FA5518-D3AE-F720-2BE0-3F9DB2DFA9EF}"/>
               </a:ext>
             </a:extLst>
           </p:cNvPr>
@@ -2193,7 +2193,7 @@
           <p:cNvPr id="2" name="Title 1">
             <a:extLst>
               <a:ext uri="{FF2B5EF4-FFF2-40B4-BE49-F238E27FC236}">
-                <a16:creationId xmlns:a16="http://schemas.microsoft.com/office/drawing/2014/main" xmlns="" id="{CDBB8F10-4EB4-0C0F-03BF-F531D235ADC4}"/>
+                <a16:creationId xmlns="" xmlns:a16="http://schemas.microsoft.com/office/drawing/2014/main" id="{CDBB8F10-4EB4-0C0F-03BF-F531D235ADC4}"/>
               </a:ext>
             </a:extLst>
           </p:cNvPr>
@@ -2222,7 +2222,7 @@
           <p:cNvPr id="3" name="Date Placeholder 2">
             <a:extLst>
               <a:ext uri="{FF2B5EF4-FFF2-40B4-BE49-F238E27FC236}">
-                <a16:creationId xmlns:a16="http://schemas.microsoft.com/office/drawing/2014/main" xmlns="" id="{0F1CEF92-A5CC-B946-CAFC-8C36EB5A1CA9}"/>
+                <a16:creationId xmlns="" xmlns:a16="http://schemas.microsoft.com/office/drawing/2014/main" id="{0F1CEF92-A5CC-B946-CAFC-8C36EB5A1CA9}"/>
               </a:ext>
             </a:extLst>
           </p:cNvPr>
@@ -2240,7 +2240,7 @@
           <a:p>
             <a:fld id="{6670FE10-F406-47AF-8AE1-E9BA4C7E25F2}" type="datetimeFigureOut">
               <a:rPr lang="en-GB" smtClean="0"/>
-              <a:t>29/05/2023</a:t>
+              <a:t>30/05/2023</a:t>
             </a:fld>
             <a:endParaRPr lang="en-GB"/>
           </a:p>
@@ -2251,7 +2251,7 @@
           <p:cNvPr id="4" name="Footer Placeholder 3">
             <a:extLst>
               <a:ext uri="{FF2B5EF4-FFF2-40B4-BE49-F238E27FC236}">
-                <a16:creationId xmlns:a16="http://schemas.microsoft.com/office/drawing/2014/main" xmlns="" id="{79B0AED2-981A-D1A1-3051-5903B7A77705}"/>
+                <a16:creationId xmlns="" xmlns:a16="http://schemas.microsoft.com/office/drawing/2014/main" id="{79B0AED2-981A-D1A1-3051-5903B7A77705}"/>
               </a:ext>
             </a:extLst>
           </p:cNvPr>
@@ -2276,7 +2276,7 @@
           <p:cNvPr id="5" name="Slide Number Placeholder 4">
             <a:extLst>
               <a:ext uri="{FF2B5EF4-FFF2-40B4-BE49-F238E27FC236}">
-                <a16:creationId xmlns:a16="http://schemas.microsoft.com/office/drawing/2014/main" xmlns="" id="{30C34D5F-9056-9555-8436-92D63EF82CE5}"/>
+                <a16:creationId xmlns="" xmlns:a16="http://schemas.microsoft.com/office/drawing/2014/main" id="{30C34D5F-9056-9555-8436-92D63EF82CE5}"/>
               </a:ext>
             </a:extLst>
           </p:cNvPr>
@@ -2335,7 +2335,7 @@
           <p:cNvPr id="2" name="Date Placeholder 1">
             <a:extLst>
               <a:ext uri="{FF2B5EF4-FFF2-40B4-BE49-F238E27FC236}">
-                <a16:creationId xmlns:a16="http://schemas.microsoft.com/office/drawing/2014/main" xmlns="" id="{B730EC6A-6AD6-AA45-F17C-03F69F0BC0B1}"/>
+                <a16:creationId xmlns="" xmlns:a16="http://schemas.microsoft.com/office/drawing/2014/main" id="{B730EC6A-6AD6-AA45-F17C-03F69F0BC0B1}"/>
               </a:ext>
             </a:extLst>
           </p:cNvPr>
@@ -2353,7 +2353,7 @@
           <a:p>
             <a:fld id="{6670FE10-F406-47AF-8AE1-E9BA4C7E25F2}" type="datetimeFigureOut">
               <a:rPr lang="en-GB" smtClean="0"/>
-              <a:t>29/05/2023</a:t>
+              <a:t>30/05/2023</a:t>
             </a:fld>
             <a:endParaRPr lang="en-GB"/>
           </a:p>
@@ -2364,7 +2364,7 @@
           <p:cNvPr id="3" name="Footer Placeholder 2">
             <a:extLst>
               <a:ext uri="{FF2B5EF4-FFF2-40B4-BE49-F238E27FC236}">
-                <a16:creationId xmlns:a16="http://schemas.microsoft.com/office/drawing/2014/main" xmlns="" id="{4CE86569-C17C-085A-6CBC-D1C4A1862CB5}"/>
+                <a16:creationId xmlns="" xmlns:a16="http://schemas.microsoft.com/office/drawing/2014/main" id="{4CE86569-C17C-085A-6CBC-D1C4A1862CB5}"/>
               </a:ext>
             </a:extLst>
           </p:cNvPr>
@@ -2389,7 +2389,7 @@
           <p:cNvPr id="4" name="Slide Number Placeholder 3">
             <a:extLst>
               <a:ext uri="{FF2B5EF4-FFF2-40B4-BE49-F238E27FC236}">
-                <a16:creationId xmlns:a16="http://schemas.microsoft.com/office/drawing/2014/main" xmlns="" id="{78D85FA6-E886-1316-E77C-F547D63906B5}"/>
+                <a16:creationId xmlns="" xmlns:a16="http://schemas.microsoft.com/office/drawing/2014/main" id="{78D85FA6-E886-1316-E77C-F547D63906B5}"/>
               </a:ext>
             </a:extLst>
           </p:cNvPr>
@@ -2448,7 +2448,7 @@
           <p:cNvPr id="2" name="Title 1">
             <a:extLst>
               <a:ext uri="{FF2B5EF4-FFF2-40B4-BE49-F238E27FC236}">
-                <a16:creationId xmlns:a16="http://schemas.microsoft.com/office/drawing/2014/main" xmlns="" id="{0BD7938B-5BC3-3F7E-C07B-69D21045835A}"/>
+                <a16:creationId xmlns="" xmlns:a16="http://schemas.microsoft.com/office/drawing/2014/main" id="{0BD7938B-5BC3-3F7E-C07B-69D21045835A}"/>
               </a:ext>
             </a:extLst>
           </p:cNvPr>
@@ -2486,7 +2486,7 @@
           <p:cNvPr id="3" name="Content Placeholder 2">
             <a:extLst>
               <a:ext uri="{FF2B5EF4-FFF2-40B4-BE49-F238E27FC236}">
-                <a16:creationId xmlns:a16="http://schemas.microsoft.com/office/drawing/2014/main" xmlns="" id="{8BA5A36E-54F8-095F-63F4-D35F0CEA499E}"/>
+                <a16:creationId xmlns="" xmlns:a16="http://schemas.microsoft.com/office/drawing/2014/main" id="{8BA5A36E-54F8-095F-63F4-D35F0CEA499E}"/>
               </a:ext>
             </a:extLst>
           </p:cNvPr>
@@ -2577,7 +2577,7 @@
           <p:cNvPr id="4" name="Text Placeholder 3">
             <a:extLst>
               <a:ext uri="{FF2B5EF4-FFF2-40B4-BE49-F238E27FC236}">
-                <a16:creationId xmlns:a16="http://schemas.microsoft.com/office/drawing/2014/main" xmlns="" id="{6E133D28-5C98-8AD3-E53B-B46BC56EF23C}"/>
+                <a16:creationId xmlns="" xmlns:a16="http://schemas.microsoft.com/office/drawing/2014/main" id="{6E133D28-5C98-8AD3-E53B-B46BC56EF23C}"/>
               </a:ext>
             </a:extLst>
           </p:cNvPr>
@@ -2648,7 +2648,7 @@
           <p:cNvPr id="5" name="Date Placeholder 4">
             <a:extLst>
               <a:ext uri="{FF2B5EF4-FFF2-40B4-BE49-F238E27FC236}">
-                <a16:creationId xmlns:a16="http://schemas.microsoft.com/office/drawing/2014/main" xmlns="" id="{5B6D2A4C-20E2-A896-97ED-F88A7A2385FF}"/>
+                <a16:creationId xmlns="" xmlns:a16="http://schemas.microsoft.com/office/drawing/2014/main" id="{5B6D2A4C-20E2-A896-97ED-F88A7A2385FF}"/>
               </a:ext>
             </a:extLst>
           </p:cNvPr>
@@ -2666,7 +2666,7 @@
           <a:p>
             <a:fld id="{6670FE10-F406-47AF-8AE1-E9BA4C7E25F2}" type="datetimeFigureOut">
               <a:rPr lang="en-GB" smtClean="0"/>
-              <a:t>29/05/2023</a:t>
+              <a:t>30/05/2023</a:t>
             </a:fld>
             <a:endParaRPr lang="en-GB"/>
           </a:p>
@@ -2677,7 +2677,7 @@
           <p:cNvPr id="6" name="Footer Placeholder 5">
             <a:extLst>
               <a:ext uri="{FF2B5EF4-FFF2-40B4-BE49-F238E27FC236}">
-                <a16:creationId xmlns:a16="http://schemas.microsoft.com/office/drawing/2014/main" xmlns="" id="{ED56FC89-B6CF-07FC-4053-C9A2B6E43753}"/>
+                <a16:creationId xmlns="" xmlns:a16="http://schemas.microsoft.com/office/drawing/2014/main" id="{ED56FC89-B6CF-07FC-4053-C9A2B6E43753}"/>
               </a:ext>
             </a:extLst>
           </p:cNvPr>
@@ -2702,7 +2702,7 @@
           <p:cNvPr id="7" name="Slide Number Placeholder 6">
             <a:extLst>
               <a:ext uri="{FF2B5EF4-FFF2-40B4-BE49-F238E27FC236}">
-                <a16:creationId xmlns:a16="http://schemas.microsoft.com/office/drawing/2014/main" xmlns="" id="{C6B4ECD2-23D6-A678-D6E6-CC8E80A4100C}"/>
+                <a16:creationId xmlns="" xmlns:a16="http://schemas.microsoft.com/office/drawing/2014/main" id="{C6B4ECD2-23D6-A678-D6E6-CC8E80A4100C}"/>
               </a:ext>
             </a:extLst>
           </p:cNvPr>
@@ -2761,7 +2761,7 @@
           <p:cNvPr id="2" name="Title 1">
             <a:extLst>
               <a:ext uri="{FF2B5EF4-FFF2-40B4-BE49-F238E27FC236}">
-                <a16:creationId xmlns:a16="http://schemas.microsoft.com/office/drawing/2014/main" xmlns="" id="{486D62C0-B9AF-01E3-3121-5E4CEC456534}"/>
+                <a16:creationId xmlns="" xmlns:a16="http://schemas.microsoft.com/office/drawing/2014/main" id="{486D62C0-B9AF-01E3-3121-5E4CEC456534}"/>
               </a:ext>
             </a:extLst>
           </p:cNvPr>
@@ -2799,7 +2799,7 @@
           <p:cNvPr id="3" name="Picture Placeholder 2">
             <a:extLst>
               <a:ext uri="{FF2B5EF4-FFF2-40B4-BE49-F238E27FC236}">
-                <a16:creationId xmlns:a16="http://schemas.microsoft.com/office/drawing/2014/main" xmlns="" id="{C01E6429-9B79-A736-0B9D-B13183DAC690}"/>
+                <a16:creationId xmlns="" xmlns:a16="http://schemas.microsoft.com/office/drawing/2014/main" id="{C01E6429-9B79-A736-0B9D-B13183DAC690}"/>
               </a:ext>
             </a:extLst>
           </p:cNvPr>
@@ -2866,7 +2866,7 @@
           <p:cNvPr id="4" name="Text Placeholder 3">
             <a:extLst>
               <a:ext uri="{FF2B5EF4-FFF2-40B4-BE49-F238E27FC236}">
-                <a16:creationId xmlns:a16="http://schemas.microsoft.com/office/drawing/2014/main" xmlns="" id="{A38859E1-EE15-4687-0846-74724C476ED6}"/>
+                <a16:creationId xmlns="" xmlns:a16="http://schemas.microsoft.com/office/drawing/2014/main" id="{A38859E1-EE15-4687-0846-74724C476ED6}"/>
               </a:ext>
             </a:extLst>
           </p:cNvPr>
@@ -2937,7 +2937,7 @@
           <p:cNvPr id="5" name="Date Placeholder 4">
             <a:extLst>
               <a:ext uri="{FF2B5EF4-FFF2-40B4-BE49-F238E27FC236}">
-                <a16:creationId xmlns:a16="http://schemas.microsoft.com/office/drawing/2014/main" xmlns="" id="{CFB76135-5B72-1EEF-F390-24A30E0C2784}"/>
+                <a16:creationId xmlns="" xmlns:a16="http://schemas.microsoft.com/office/drawing/2014/main" id="{CFB76135-5B72-1EEF-F390-24A30E0C2784}"/>
               </a:ext>
             </a:extLst>
           </p:cNvPr>
@@ -2955,7 +2955,7 @@
           <a:p>
             <a:fld id="{6670FE10-F406-47AF-8AE1-E9BA4C7E25F2}" type="datetimeFigureOut">
               <a:rPr lang="en-GB" smtClean="0"/>
-              <a:t>29/05/2023</a:t>
+              <a:t>30/05/2023</a:t>
             </a:fld>
             <a:endParaRPr lang="en-GB"/>
           </a:p>
@@ -2966,7 +2966,7 @@
           <p:cNvPr id="6" name="Footer Placeholder 5">
             <a:extLst>
               <a:ext uri="{FF2B5EF4-FFF2-40B4-BE49-F238E27FC236}">
-                <a16:creationId xmlns:a16="http://schemas.microsoft.com/office/drawing/2014/main" xmlns="" id="{35886E81-CAA3-CA1B-34FD-D779E0A78C49}"/>
+                <a16:creationId xmlns="" xmlns:a16="http://schemas.microsoft.com/office/drawing/2014/main" id="{35886E81-CAA3-CA1B-34FD-D779E0A78C49}"/>
               </a:ext>
             </a:extLst>
           </p:cNvPr>
@@ -2991,7 +2991,7 @@
           <p:cNvPr id="7" name="Slide Number Placeholder 6">
             <a:extLst>
               <a:ext uri="{FF2B5EF4-FFF2-40B4-BE49-F238E27FC236}">
-                <a16:creationId xmlns:a16="http://schemas.microsoft.com/office/drawing/2014/main" xmlns="" id="{55CACC89-7C0E-4493-8D29-3D8652C25C7A}"/>
+                <a16:creationId xmlns="" xmlns:a16="http://schemas.microsoft.com/office/drawing/2014/main" id="{55CACC89-7C0E-4493-8D29-3D8652C25C7A}"/>
               </a:ext>
             </a:extLst>
           </p:cNvPr>
@@ -3055,7 +3055,7 @@
           <p:cNvPr id="2" name="Title Placeholder 1">
             <a:extLst>
               <a:ext uri="{FF2B5EF4-FFF2-40B4-BE49-F238E27FC236}">
-                <a16:creationId xmlns:a16="http://schemas.microsoft.com/office/drawing/2014/main" xmlns="" id="{2A2A5E74-E7EA-A582-FEFF-7E8B6526EAE3}"/>
+                <a16:creationId xmlns="" xmlns:a16="http://schemas.microsoft.com/office/drawing/2014/main" id="{2A2A5E74-E7EA-A582-FEFF-7E8B6526EAE3}"/>
               </a:ext>
             </a:extLst>
           </p:cNvPr>
@@ -3094,7 +3094,7 @@
           <p:cNvPr id="3" name="Text Placeholder 2">
             <a:extLst>
               <a:ext uri="{FF2B5EF4-FFF2-40B4-BE49-F238E27FC236}">
-                <a16:creationId xmlns:a16="http://schemas.microsoft.com/office/drawing/2014/main" xmlns="" id="{81F34B22-10EC-C970-0CA4-B2EEE5D4462F}"/>
+                <a16:creationId xmlns="" xmlns:a16="http://schemas.microsoft.com/office/drawing/2014/main" id="{81F34B22-10EC-C970-0CA4-B2EEE5D4462F}"/>
               </a:ext>
             </a:extLst>
           </p:cNvPr>
@@ -3162,7 +3162,7 @@
           <p:cNvPr id="4" name="Date Placeholder 3">
             <a:extLst>
               <a:ext uri="{FF2B5EF4-FFF2-40B4-BE49-F238E27FC236}">
-                <a16:creationId xmlns:a16="http://schemas.microsoft.com/office/drawing/2014/main" xmlns="" id="{EB568B27-F4D1-8804-8F24-49F4B5CF6401}"/>
+                <a16:creationId xmlns="" xmlns:a16="http://schemas.microsoft.com/office/drawing/2014/main" id="{EB568B27-F4D1-8804-8F24-49F4B5CF6401}"/>
               </a:ext>
             </a:extLst>
           </p:cNvPr>
@@ -3198,7 +3198,7 @@
           <a:p>
             <a:fld id="{6670FE10-F406-47AF-8AE1-E9BA4C7E25F2}" type="datetimeFigureOut">
               <a:rPr lang="en-GB" smtClean="0"/>
-              <a:t>29/05/2023</a:t>
+              <a:t>30/05/2023</a:t>
             </a:fld>
             <a:endParaRPr lang="en-GB"/>
           </a:p>
@@ -3209,7 +3209,7 @@
           <p:cNvPr id="5" name="Footer Placeholder 4">
             <a:extLst>
               <a:ext uri="{FF2B5EF4-FFF2-40B4-BE49-F238E27FC236}">
-                <a16:creationId xmlns:a16="http://schemas.microsoft.com/office/drawing/2014/main" xmlns="" id="{0FE3C49D-7C0D-DBB2-ECF5-D83556B8653A}"/>
+                <a16:creationId xmlns="" xmlns:a16="http://schemas.microsoft.com/office/drawing/2014/main" id="{0FE3C49D-7C0D-DBB2-ECF5-D83556B8653A}"/>
               </a:ext>
             </a:extLst>
           </p:cNvPr>
@@ -3252,7 +3252,7 @@
           <p:cNvPr id="6" name="Slide Number Placeholder 5">
             <a:extLst>
               <a:ext uri="{FF2B5EF4-FFF2-40B4-BE49-F238E27FC236}">
-                <a16:creationId xmlns:a16="http://schemas.microsoft.com/office/drawing/2014/main" xmlns="" id="{C8EB63AB-DEAA-1B23-7F83-4CF51358DAA8}"/>
+                <a16:creationId xmlns="" xmlns:a16="http://schemas.microsoft.com/office/drawing/2014/main" id="{C8EB63AB-DEAA-1B23-7F83-4CF51358DAA8}"/>
               </a:ext>
             </a:extLst>
           </p:cNvPr>
@@ -3620,7 +3620,7 @@
           <p:cNvPr id="2" name="Title 1">
             <a:extLst>
               <a:ext uri="{FF2B5EF4-FFF2-40B4-BE49-F238E27FC236}">
-                <a16:creationId xmlns:a16="http://schemas.microsoft.com/office/drawing/2014/main" xmlns="" id="{EE0BCD4D-82A1-5AD0-053C-2CF73DA5B647}"/>
+                <a16:creationId xmlns="" xmlns:a16="http://schemas.microsoft.com/office/drawing/2014/main" id="{EE0BCD4D-82A1-5AD0-053C-2CF73DA5B647}"/>
               </a:ext>
             </a:extLst>
           </p:cNvPr>
@@ -3649,7 +3649,7 @@
           <p:cNvPr id="3" name="Subtitle 2">
             <a:extLst>
               <a:ext uri="{FF2B5EF4-FFF2-40B4-BE49-F238E27FC236}">
-                <a16:creationId xmlns:a16="http://schemas.microsoft.com/office/drawing/2014/main" xmlns="" id="{7730DC87-B7BC-1B7B-AB86-8B0F1FACBC23}"/>
+                <a16:creationId xmlns="" xmlns:a16="http://schemas.microsoft.com/office/drawing/2014/main" id="{7730DC87-B7BC-1B7B-AB86-8B0F1FACBC23}"/>
               </a:ext>
             </a:extLst>
           </p:cNvPr>
@@ -3745,7 +3745,31 @@
           <a:p>
             <a:r>
               <a:rPr lang="en-US" sz="2400" dirty="0" smtClean="0"/>
-              <a:t>As per the shown picture ,the words ‘service’ , ’seat’, ’flight’ , ’food’ , ‘London’ , ‘time’ , ‘food’ are the most frequent detected words in the customers reviews. However, by measuring the average polarity of the collective reviews ,it tends to be negative ,which means that the mentioned words are more likely to be mentioned in negative opinions and gives an idea of the areas of improvement.</a:t>
+              <a:t>As per the shown picture ,the words ‘service’ , ’seat’, ’flight’ , ’food’ , ‘London’ , ‘time’ , ‘food’ are the most frequent detected words in the customers reviews. However, by measuring the average polarity of the collective reviews ,it tends to be </a:t>
+            </a:r>
+            <a:r>
+              <a:rPr lang="en-US" sz="2400" dirty="0" err="1" smtClean="0"/>
+              <a:t>positive,which</a:t>
+            </a:r>
+            <a:r>
+              <a:rPr lang="en-US" sz="2400" dirty="0" smtClean="0"/>
+              <a:t> </a:t>
+            </a:r>
+            <a:r>
+              <a:rPr lang="en-US" sz="2400" dirty="0" smtClean="0"/>
+              <a:t>means that the mentioned words are more likely to be mentioned in </a:t>
+            </a:r>
+            <a:r>
+              <a:rPr lang="en-US" sz="2400" dirty="0" smtClean="0"/>
+              <a:t>positive opinions </a:t>
+            </a:r>
+            <a:r>
+              <a:rPr lang="en-US" sz="2400" dirty="0" smtClean="0"/>
+              <a:t>and gives an idea of the areas of </a:t>
+            </a:r>
+            <a:r>
+              <a:rPr lang="en-US" sz="2400" dirty="0" smtClean="0"/>
+              <a:t>positivity.</a:t>
             </a:r>
             <a:endParaRPr lang="en-US" sz="2400" dirty="0"/>
           </a:p>
@@ -3901,7 +3925,31 @@
           <a:p>
             <a:r>
               <a:rPr lang="en-US" sz="2400" dirty="0" smtClean="0"/>
-              <a:t>On the other hand the polarity tends to be more to 0 which indicates more negative opinion overall.</a:t>
+              <a:t>On the other hand the polarity tends to be more to </a:t>
+            </a:r>
+            <a:r>
+              <a:rPr lang="en-US" sz="2400" dirty="0" smtClean="0"/>
+              <a:t>positive </a:t>
+            </a:r>
+            <a:r>
+              <a:rPr lang="en-US" sz="2400" dirty="0" smtClean="0"/>
+              <a:t>which indicates </a:t>
+            </a:r>
+            <a:r>
+              <a:rPr lang="en-US" sz="2400" smtClean="0"/>
+              <a:t>more </a:t>
+            </a:r>
+            <a:r>
+              <a:rPr lang="en-US" sz="2400" smtClean="0"/>
+              <a:t>positive</a:t>
+            </a:r>
+            <a:r>
+              <a:rPr lang="en-US" sz="2400" smtClean="0"/>
+              <a:t> </a:t>
+            </a:r>
+            <a:r>
+              <a:rPr lang="en-US" sz="2400" dirty="0" smtClean="0"/>
+              <a:t>opinion overall.</a:t>
             </a:r>
             <a:endParaRPr lang="en-US" sz="2400" dirty="0"/>
           </a:p>
@@ -3956,16 +4004,6 @@
                 </a:solidFill>
               </a14:hiddenFill>
             </a:ext>
-            <a:ext uri="{91240B29-F687-4F45-9708-019B960494DF}">
-              <a14:hiddenLine xmlns:a14="http://schemas.microsoft.com/office/drawing/2010/main" w="9525">
-                <a:solidFill>
-                  <a:schemeClr val="tx1"/>
-                </a:solidFill>
-                <a:miter lim="800000"/>
-                <a:headEnd/>
-                <a:tailEnd/>
-              </a14:hiddenLine>
-            </a:ext>
           </a:extLst>
         </p:spPr>
       </p:pic>
@@ -4016,16 +4054,6 @@
                 </a:solidFill>
               </a14:hiddenFill>
             </a:ext>
-            <a:ext uri="{91240B29-F687-4F45-9708-019B960494DF}">
-              <a14:hiddenLine xmlns:a14="http://schemas.microsoft.com/office/drawing/2010/main" w="9525">
-                <a:solidFill>
-                  <a:schemeClr val="tx1"/>
-                </a:solidFill>
-                <a:miter lim="800000"/>
-                <a:headEnd/>
-                <a:tailEnd/>
-              </a14:hiddenLine>
-            </a:ext>
           </a:extLst>
         </p:spPr>
       </p:pic>
@@ -4075,16 +4103,6 @@
                   <a:schemeClr val="accent1"/>
                 </a:solidFill>
               </a14:hiddenFill>
-            </a:ext>
-            <a:ext uri="{91240B29-F687-4F45-9708-019B960494DF}">
-              <a14:hiddenLine xmlns:a14="http://schemas.microsoft.com/office/drawing/2010/main" w="9525">
-                <a:solidFill>
-                  <a:schemeClr val="tx1"/>
-                </a:solidFill>
-                <a:miter lim="800000"/>
-                <a:headEnd/>
-                <a:tailEnd/>
-              </a14:hiddenLine>
             </a:ext>
           </a:extLst>
         </p:spPr>
@@ -4197,16 +4215,6 @@
                 </a:solidFill>
               </a14:hiddenFill>
             </a:ext>
-            <a:ext uri="{91240B29-F687-4F45-9708-019B960494DF}">
-              <a14:hiddenLine xmlns:a14="http://schemas.microsoft.com/office/drawing/2010/main" w="9525">
-                <a:solidFill>
-                  <a:schemeClr val="tx1"/>
-                </a:solidFill>
-                <a:miter lim="800000"/>
-                <a:headEnd/>
-                <a:tailEnd/>
-              </a14:hiddenLine>
-            </a:ext>
           </a:extLst>
         </p:spPr>
       </p:pic>
@@ -4258,16 +4266,6 @@
                   <a:schemeClr val="accent1"/>
                 </a:solidFill>
               </a14:hiddenFill>
-            </a:ext>
-            <a:ext uri="{91240B29-F687-4F45-9708-019B960494DF}">
-              <a14:hiddenLine xmlns:a14="http://schemas.microsoft.com/office/drawing/2010/main" w="9525">
-                <a:solidFill>
-                  <a:schemeClr val="tx1"/>
-                </a:solidFill>
-                <a:miter lim="800000"/>
-                <a:headEnd/>
-                <a:tailEnd/>
-              </a14:hiddenLine>
             </a:ext>
           </a:extLst>
         </p:spPr>
@@ -4574,7 +4572,7 @@
   <a:extraClrSchemeLst/>
   <a:extLst>
     <a:ext uri="{05A4C25C-085E-4340-85A3-A5531E510DB2}">
-      <thm15:themeFamily xmlns:thm15="http://schemas.microsoft.com/office/thememl/2012/main" xmlns="" name="Office Theme" id="{62F939B6-93AF-4DB8-9C6B-D6C7DFDC589F}" vid="{4A3C46E8-61CC-4603-A589-7422A47A8E4A}"/>
+      <thm15:themeFamily xmlns="" xmlns:thm15="http://schemas.microsoft.com/office/thememl/2012/main" name="Office Theme" id="{62F939B6-93AF-4DB8-9C6B-D6C7DFDC589F}" vid="{4A3C46E8-61CC-4603-A589-7422A47A8E4A}"/>
     </a:ext>
   </a:extLst>
 </a:theme>
